--- a/15. Arquitetura de Negócio para cada Cenário.pptx
+++ b/15. Arquitetura de Negócio para cada Cenário.pptx
@@ -5,15 +5,16 @@
     <p:sldMasterId id="2147483659" r:id="rId1"/>
   </p:sldMasterIdLst>
   <p:notesMasterIdLst>
-    <p:notesMasterId r:id="rId8"/>
+    <p:notesMasterId r:id="rId9"/>
   </p:notesMasterIdLst>
   <p:sldIdLst>
     <p:sldId id="256" r:id="rId2"/>
     <p:sldId id="257" r:id="rId3"/>
-    <p:sldId id="258" r:id="rId4"/>
-    <p:sldId id="259" r:id="rId5"/>
-    <p:sldId id="260" r:id="rId6"/>
-    <p:sldId id="262" r:id="rId7"/>
+    <p:sldId id="263" r:id="rId4"/>
+    <p:sldId id="258" r:id="rId5"/>
+    <p:sldId id="259" r:id="rId6"/>
+    <p:sldId id="260" r:id="rId7"/>
+    <p:sldId id="262" r:id="rId8"/>
   </p:sldIdLst>
   <p:sldSz cx="9144000" cy="5143500" type="screen16x9"/>
   <p:notesSz cx="6858000" cy="9144000"/>
@@ -787,7 +788,7 @@
               </a:spcAft>
               <a:buNone/>
             </a:pPr>
-            <a:endParaRPr/>
+            <a:endParaRPr dirty="0"/>
           </a:p>
         </p:txBody>
       </p:sp>
@@ -891,7 +892,7 @@
               </a:spcAft>
               <a:buNone/>
             </a:pPr>
-            <a:endParaRPr/>
+            <a:endParaRPr dirty="0"/>
           </a:p>
         </p:txBody>
       </p:sp>
@@ -995,14 +996,14 @@
               </a:spcAft>
               <a:buNone/>
             </a:pPr>
-            <a:endParaRPr/>
+            <a:endParaRPr dirty="0"/>
           </a:p>
         </p:txBody>
       </p:sp>
     </p:spTree>
     <p:extLst>
       <p:ext uri="{BB962C8B-B14F-4D97-AF65-F5344CB8AC3E}">
-        <p14:creationId xmlns:p14="http://schemas.microsoft.com/office/powerpoint/2010/main" val="2203407466"/>
+        <p14:creationId xmlns:p14="http://schemas.microsoft.com/office/powerpoint/2010/main" val="2524024525"/>
       </p:ext>
     </p:extLst>
   </p:cSld>
@@ -1104,14 +1105,14 @@
               </a:spcAft>
               <a:buNone/>
             </a:pPr>
-            <a:endParaRPr/>
+            <a:endParaRPr dirty="0"/>
           </a:p>
         </p:txBody>
       </p:sp>
     </p:spTree>
     <p:extLst>
       <p:ext uri="{BB962C8B-B14F-4D97-AF65-F5344CB8AC3E}">
-        <p14:creationId xmlns:p14="http://schemas.microsoft.com/office/powerpoint/2010/main" val="279782910"/>
+        <p14:creationId xmlns:p14="http://schemas.microsoft.com/office/powerpoint/2010/main" val="2203407466"/>
       </p:ext>
     </p:extLst>
   </p:cSld>
@@ -1213,14 +1214,14 @@
               </a:spcAft>
               <a:buNone/>
             </a:pPr>
-            <a:endParaRPr/>
+            <a:endParaRPr dirty="0"/>
           </a:p>
         </p:txBody>
       </p:sp>
     </p:spTree>
     <p:extLst>
       <p:ext uri="{BB962C8B-B14F-4D97-AF65-F5344CB8AC3E}">
-        <p14:creationId xmlns:p14="http://schemas.microsoft.com/office/powerpoint/2010/main" val="2004397524"/>
+        <p14:creationId xmlns:p14="http://schemas.microsoft.com/office/powerpoint/2010/main" val="279782910"/>
       </p:ext>
     </p:extLst>
   </p:cSld>
@@ -1322,7 +1323,116 @@
               </a:spcAft>
               <a:buNone/>
             </a:pPr>
-            <a:endParaRPr/>
+            <a:endParaRPr dirty="0"/>
+          </a:p>
+        </p:txBody>
+      </p:sp>
+    </p:spTree>
+    <p:extLst>
+      <p:ext uri="{BB962C8B-B14F-4D97-AF65-F5344CB8AC3E}">
+        <p14:creationId xmlns:p14="http://schemas.microsoft.com/office/powerpoint/2010/main" val="2004397524"/>
+      </p:ext>
+    </p:extLst>
+  </p:cSld>
+  <p:clrMapOvr>
+    <a:masterClrMapping/>
+  </p:clrMapOvr>
+</p:notes>
+</file>
+
+<file path=ppt/notesSlides/notesSlide7.xml><?xml version="1.0" encoding="utf-8"?>
+<p:notes xmlns:a="http://schemas.openxmlformats.org/drawingml/2006/main" xmlns:r="http://schemas.openxmlformats.org/officeDocument/2006/relationships" xmlns:p="http://schemas.openxmlformats.org/presentationml/2006/main" showMasterSp="0" showMasterPhAnim="0">
+  <p:cSld>
+    <p:spTree>
+      <p:nvGrpSpPr>
+        <p:cNvPr id="1" name="Shape 77"/>
+        <p:cNvGrpSpPr/>
+        <p:nvPr/>
+      </p:nvGrpSpPr>
+      <p:grpSpPr>
+        <a:xfrm>
+          <a:off x="0" y="0"/>
+          <a:ext cx="0" cy="0"/>
+          <a:chOff x="0" y="0"/>
+          <a:chExt cx="0" cy="0"/>
+        </a:xfrm>
+      </p:grpSpPr>
+      <p:sp>
+        <p:nvSpPr>
+          <p:cNvPr id="78" name="Google Shape;78;g2546aa1b3b_0_8:notes"/>
+          <p:cNvSpPr>
+            <a:spLocks noGrp="1" noRot="1" noChangeAspect="1"/>
+          </p:cNvSpPr>
+          <p:nvPr>
+            <p:ph type="sldImg" idx="2"/>
+          </p:nvPr>
+        </p:nvSpPr>
+        <p:spPr>
+          <a:xfrm>
+            <a:off x="381000" y="685800"/>
+            <a:ext cx="6096000" cy="3429000"/>
+          </a:xfrm>
+          <a:custGeom>
+            <a:avLst/>
+            <a:gdLst/>
+            <a:ahLst/>
+            <a:cxnLst/>
+            <a:rect l="l" t="t" r="r" b="b"/>
+            <a:pathLst>
+              <a:path w="120000" h="120000" extrusionOk="0">
+                <a:moveTo>
+                  <a:pt x="0" y="0"/>
+                </a:moveTo>
+                <a:lnTo>
+                  <a:pt x="120000" y="0"/>
+                </a:lnTo>
+                <a:lnTo>
+                  <a:pt x="120000" y="120000"/>
+                </a:lnTo>
+                <a:lnTo>
+                  <a:pt x="0" y="120000"/>
+                </a:lnTo>
+                <a:close/>
+              </a:path>
+            </a:pathLst>
+          </a:custGeom>
+        </p:spPr>
+      </p:sp>
+      <p:sp>
+        <p:nvSpPr>
+          <p:cNvPr id="79" name="Google Shape;79;g2546aa1b3b_0_8:notes"/>
+          <p:cNvSpPr txBox="1">
+            <a:spLocks noGrp="1"/>
+          </p:cNvSpPr>
+          <p:nvPr>
+            <p:ph type="body" idx="1"/>
+          </p:nvPr>
+        </p:nvSpPr>
+        <p:spPr>
+          <a:xfrm>
+            <a:off x="685800" y="4343400"/>
+            <a:ext cx="5486400" cy="4114800"/>
+          </a:xfrm>
+          <a:prstGeom prst="rect">
+            <a:avLst/>
+          </a:prstGeom>
+        </p:spPr>
+        <p:txBody>
+          <a:bodyPr spcFirstLastPara="1" wrap="square" lIns="91425" tIns="91425" rIns="91425" bIns="91425" anchor="t" anchorCtr="0">
+            <a:noAutofit/>
+          </a:bodyPr>
+          <a:lstStyle/>
+          <a:p>
+            <a:pPr marL="0" lvl="0" indent="0" algn="l" rtl="0">
+              <a:spcBef>
+                <a:spcPts val="0"/>
+              </a:spcBef>
+              <a:spcAft>
+                <a:spcPts val="0"/>
+              </a:spcAft>
+              <a:buNone/>
+            </a:pPr>
+            <a:endParaRPr dirty="0"/>
           </a:p>
         </p:txBody>
       </p:sp>
@@ -1716,7 +1826,7 @@
               <a:rPr lang="pt-BR"/>
               <a:t>‹nº›</a:t>
             </a:fld>
-            <a:endParaRPr/>
+            <a:endParaRPr dirty="0"/>
           </a:p>
         </p:txBody>
       </p:sp>
@@ -2080,7 +2190,7 @@
               <a:rPr lang="pt-BR"/>
               <a:t>‹nº›</a:t>
             </a:fld>
-            <a:endParaRPr/>
+            <a:endParaRPr dirty="0"/>
           </a:p>
         </p:txBody>
       </p:sp>
@@ -2184,7 +2294,7 @@
               <a:rPr lang="pt-BR"/>
               <a:t>‹nº›</a:t>
             </a:fld>
-            <a:endParaRPr/>
+            <a:endParaRPr dirty="0"/>
           </a:p>
         </p:txBody>
       </p:sp>
@@ -2417,7 +2527,7 @@
               <a:rPr lang="pt-BR"/>
               <a:t>‹nº›</a:t>
             </a:fld>
-            <a:endParaRPr/>
+            <a:endParaRPr dirty="0"/>
           </a:p>
         </p:txBody>
       </p:sp>
@@ -2779,7 +2889,7 @@
               <a:rPr lang="pt-BR"/>
               <a:t>‹nº›</a:t>
             </a:fld>
-            <a:endParaRPr/>
+            <a:endParaRPr dirty="0"/>
           </a:p>
         </p:txBody>
       </p:sp>
@@ -3270,7 +3380,7 @@
               <a:rPr lang="pt-BR"/>
               <a:t>‹nº›</a:t>
             </a:fld>
-            <a:endParaRPr/>
+            <a:endParaRPr dirty="0"/>
           </a:p>
         </p:txBody>
       </p:sp>
@@ -3503,7 +3613,7 @@
               <a:rPr lang="pt-BR"/>
               <a:t>‹nº›</a:t>
             </a:fld>
-            <a:endParaRPr/>
+            <a:endParaRPr dirty="0"/>
           </a:p>
         </p:txBody>
       </p:sp>
@@ -3865,7 +3975,7 @@
               <a:rPr lang="pt-BR"/>
               <a:t>‹nº›</a:t>
             </a:fld>
-            <a:endParaRPr/>
+            <a:endParaRPr dirty="0"/>
           </a:p>
         </p:txBody>
       </p:sp>
@@ -4098,7 +4208,7 @@
               <a:rPr lang="pt-BR"/>
               <a:t>‹nº›</a:t>
             </a:fld>
-            <a:endParaRPr/>
+            <a:endParaRPr dirty="0"/>
           </a:p>
         </p:txBody>
       </p:sp>
@@ -4163,7 +4273,7 @@
               </a:spcAft>
               <a:buNone/>
             </a:pPr>
-            <a:endParaRPr/>
+            <a:endParaRPr dirty="0"/>
           </a:p>
         </p:txBody>
       </p:sp>
@@ -4656,7 +4766,7 @@
               <a:rPr lang="pt-BR"/>
               <a:t>‹nº›</a:t>
             </a:fld>
-            <a:endParaRPr/>
+            <a:endParaRPr dirty="0"/>
           </a:p>
         </p:txBody>
       </p:sp>
@@ -4804,7 +4914,7 @@
               <a:rPr lang="pt-BR"/>
               <a:t>‹nº›</a:t>
             </a:fld>
-            <a:endParaRPr/>
+            <a:endParaRPr dirty="0"/>
           </a:p>
         </p:txBody>
       </p:sp>
@@ -5375,7 +5485,7 @@
               <a:rPr lang="pt-BR"/>
               <a:t>‹nº›</a:t>
             </a:fld>
-            <a:endParaRPr/>
+            <a:endParaRPr dirty="0"/>
           </a:p>
         </p:txBody>
       </p:sp>
@@ -6171,7 +6281,7 @@
               <a:t>Salete </a:t>
             </a:r>
             <a:r>
-              <a:rPr lang="pt-BR" sz="1200" dirty="0" err="1" smtClean="0"/>
+              <a:rPr lang="pt-BR" sz="1200" dirty="0" smtClean="0"/>
               <a:t>Hair</a:t>
             </a:r>
             <a:endParaRPr sz="1200" dirty="0"/>
@@ -6249,10 +6359,10 @@
         </p:nvGrpSpPr>
         <p:grpSpPr>
           <a:xfrm>
-            <a:off x="454177" y="3286976"/>
-            <a:ext cx="822600" cy="830488"/>
-            <a:chOff x="6787875" y="3204287"/>
-            <a:chExt cx="822600" cy="830488"/>
+            <a:off x="454176" y="3286976"/>
+            <a:ext cx="1034989" cy="830488"/>
+            <a:chOff x="6787874" y="3204287"/>
+            <a:chExt cx="1034989" cy="830488"/>
           </a:xfrm>
         </p:grpSpPr>
         <p:grpSp>
@@ -6311,7 +6421,7 @@
                   </a:spcAft>
                   <a:buNone/>
                 </a:pPr>
-                <a:endParaRPr/>
+                <a:endParaRPr dirty="0"/>
               </a:p>
             </p:txBody>
           </p:sp>
@@ -6430,8 +6540,8 @@
           </p:nvSpPr>
           <p:spPr>
             <a:xfrm>
-              <a:off x="6787875" y="3691875"/>
-              <a:ext cx="822600" cy="342900"/>
+              <a:off x="6787874" y="3691875"/>
+              <a:ext cx="1034989" cy="342900"/>
             </a:xfrm>
             <a:prstGeom prst="rect">
               <a:avLst/>
@@ -6535,7 +6645,7 @@
                   </a:spcAft>
                   <a:buNone/>
                 </a:pPr>
-                <a:endParaRPr/>
+                <a:endParaRPr dirty="0"/>
               </a:p>
             </p:txBody>
           </p:sp>
@@ -6728,9 +6838,9 @@
           <p:nvPr/>
         </p:nvCxnSpPr>
         <p:spPr>
-          <a:xfrm rot="10800000" flipH="1">
-            <a:off x="1276777" y="3357113"/>
-            <a:ext cx="1106700" cy="588900"/>
+          <a:xfrm flipV="1">
+            <a:off x="1489165" y="3357175"/>
+            <a:ext cx="894312" cy="588839"/>
           </a:xfrm>
           <a:prstGeom prst="curvedConnector2">
             <a:avLst/>
@@ -6811,8 +6921,44 @@
                   <a:schemeClr val="dk1"/>
                 </a:solidFill>
               </a:rPr>
-              <a:t>Agendar serviço</a:t>
+              <a:t>Agendar </a:t>
             </a:r>
+            <a:r>
+              <a:rPr lang="pt-BR" sz="1000" dirty="0" smtClean="0">
+                <a:solidFill>
+                  <a:schemeClr val="dk1"/>
+                </a:solidFill>
+              </a:rPr>
+              <a:t>serviço</a:t>
+            </a:r>
+          </a:p>
+          <a:p>
+            <a:pPr marL="457200" lvl="0" indent="-292100" algn="l" rtl="0">
+              <a:spcBef>
+                <a:spcPts val="0"/>
+              </a:spcBef>
+              <a:spcAft>
+                <a:spcPts val="0"/>
+              </a:spcAft>
+              <a:buClr>
+                <a:schemeClr val="dk1"/>
+              </a:buClr>
+              <a:buSzPts val="1000"/>
+              <a:buChar char="❖"/>
+            </a:pPr>
+            <a:r>
+              <a:rPr lang="pt-BR" sz="1000" dirty="0" smtClean="0">
+                <a:solidFill>
+                  <a:schemeClr val="dk1"/>
+                </a:solidFill>
+              </a:rPr>
+              <a:t>Cancelar agendamento</a:t>
+            </a:r>
+            <a:endParaRPr lang="pt-BR" sz="1000" dirty="0" smtClean="0">
+              <a:solidFill>
+                <a:schemeClr val="dk1"/>
+              </a:solidFill>
+            </a:endParaRPr>
           </a:p>
           <a:p>
             <a:pPr marL="457200" lvl="0" indent="-292100" algn="l" rtl="0">
@@ -7083,10 +7229,10 @@
               <a:buNone/>
             </a:pPr>
             <a:r>
-              <a:rPr lang="pt-BR"/>
+              <a:rPr lang="pt-BR" dirty="0"/>
               <a:t>Nós Operacionais</a:t>
             </a:r>
-            <a:endParaRPr/>
+            <a:endParaRPr dirty="0"/>
           </a:p>
         </p:txBody>
       </p:sp>
@@ -7221,7 +7367,7 @@
                   </a:spcAft>
                   <a:buNone/>
                 </a:pPr>
-                <a:endParaRPr/>
+                <a:endParaRPr dirty="0"/>
               </a:p>
             </p:txBody>
           </p:sp>
@@ -7447,10 +7593,10 @@
               <a:buNone/>
             </a:pPr>
             <a:r>
-              <a:rPr lang="pt-BR"/>
+              <a:rPr lang="pt-BR" dirty="0"/>
               <a:t>Capacidades Operacionais</a:t>
             </a:r>
-            <a:endParaRPr/>
+            <a:endParaRPr dirty="0"/>
           </a:p>
         </p:txBody>
       </p:sp>
@@ -7707,10 +7853,10 @@
               <a:buNone/>
             </a:pPr>
             <a:r>
-              <a:rPr lang="pt-BR"/>
+              <a:rPr lang="pt-BR" dirty="0"/>
               <a:t>Nós Operacionais</a:t>
             </a:r>
-            <a:endParaRPr/>
+            <a:endParaRPr dirty="0"/>
           </a:p>
         </p:txBody>
       </p:sp>
@@ -7722,8 +7868,8 @@
         </p:nvSpPr>
         <p:spPr>
           <a:xfrm>
-            <a:off x="3659550" y="186275"/>
-            <a:ext cx="1815000" cy="771900"/>
+            <a:off x="3493971" y="186275"/>
+            <a:ext cx="2204185" cy="771900"/>
           </a:xfrm>
           <a:prstGeom prst="wave">
             <a:avLst>
@@ -7764,12 +7910,8 @@
               <a:buChar char="❖"/>
             </a:pPr>
             <a:r>
-              <a:rPr lang="pt-BR" sz="1000" dirty="0" smtClean="0">
-                <a:solidFill>
-                  <a:schemeClr val="dk1"/>
-                </a:solidFill>
-              </a:rPr>
-              <a:t>Receber serviço</a:t>
+              <a:rPr lang="pt-BR" sz="1200" dirty="0" smtClean="0"/>
+              <a:t>Cancelar agendamento</a:t>
             </a:r>
             <a:endParaRPr sz="1200" dirty="0"/>
           </a:p>
@@ -7845,7 +7987,7 @@
                   </a:spcAft>
                   <a:buNone/>
                 </a:pPr>
-                <a:endParaRPr/>
+                <a:endParaRPr dirty="0"/>
               </a:p>
             </p:txBody>
           </p:sp>
@@ -8123,15 +8265,12 @@
           <p:nvPr/>
         </p:nvCxnSpPr>
         <p:spPr>
-          <a:xfrm rot="5400000">
-            <a:off x="3210563" y="2558918"/>
-            <a:ext cx="1164105" cy="787069"/>
+          <a:xfrm rot="16200000" flipH="1">
+            <a:off x="4146104" y="2410445"/>
+            <a:ext cx="1196075" cy="1115984"/>
           </a:xfrm>
-          <a:prstGeom prst="curvedConnector4">
-            <a:avLst>
-              <a:gd name="adj1" fmla="val 35786"/>
-              <a:gd name="adj2" fmla="val 129044"/>
-            </a:avLst>
+          <a:prstGeom prst="curvedConnector2">
+            <a:avLst/>
           </a:prstGeom>
           <a:noFill/>
           <a:ln w="9525" cap="flat" cmpd="sng">
@@ -8153,8 +8292,8 @@
         </p:nvSpPr>
         <p:spPr>
           <a:xfrm>
-            <a:off x="3399080" y="3203578"/>
-            <a:ext cx="2539265" cy="661853"/>
+            <a:off x="5302133" y="3300675"/>
+            <a:ext cx="2275825" cy="531600"/>
           </a:xfrm>
           <a:prstGeom prst="bracketPair">
             <a:avLst/>
@@ -8188,24 +8327,20 @@
             </a:pPr>
             <a:r>
               <a:rPr lang="pt-BR" sz="1000" dirty="0" smtClean="0"/>
-              <a:t>Encaminhar Cliente ao funcionário</a:t>
+              <a:t>Consultar serviço</a:t>
             </a:r>
           </a:p>
           <a:p>
-            <a:pPr marL="457200" lvl="0" indent="-292100" algn="l" rtl="0">
-              <a:spcBef>
-                <a:spcPts val="0"/>
-              </a:spcBef>
-              <a:spcAft>
-                <a:spcPts val="0"/>
-              </a:spcAft>
+            <a:pPr marL="457200" indent="-292100">
               <a:buSzPts val="1000"/>
+              <a:buFont typeface="Arial"/>
               <a:buChar char="●"/>
             </a:pPr>
             <a:r>
               <a:rPr lang="pt-BR" sz="1000" dirty="0" smtClean="0"/>
-              <a:t>Receber Pagamento</a:t>
+              <a:t>Cancelamento</a:t>
             </a:r>
+            <a:endParaRPr lang="pt-BR" sz="1000" dirty="0"/>
           </a:p>
         </p:txBody>
       </p:sp>
@@ -8272,180 +8407,10 @@
           </a:p>
         </p:txBody>
       </p:sp>
-      <p:sp>
-        <p:nvSpPr>
-          <p:cNvPr id="18" name="Google Shape;92;p14"/>
-          <p:cNvSpPr/>
-          <p:nvPr/>
-        </p:nvSpPr>
-        <p:spPr>
-          <a:xfrm>
-            <a:off x="5752698" y="1875497"/>
-            <a:ext cx="1243500" cy="531600"/>
-          </a:xfrm>
-          <a:prstGeom prst="roundRect">
-            <a:avLst>
-              <a:gd name="adj" fmla="val 16667"/>
-            </a:avLst>
-          </a:prstGeom>
-          <a:gradFill>
-            <a:gsLst>
-              <a:gs pos="0">
-                <a:srgbClr val="D4E5F5"/>
-              </a:gs>
-              <a:gs pos="100000">
-                <a:srgbClr val="70A4D5"/>
-              </a:gs>
-            </a:gsLst>
-            <a:path path="circle">
-              <a:fillToRect l="50000" t="50000" r="50000" b="50000"/>
-            </a:path>
-            <a:tileRect/>
-          </a:gradFill>
-          <a:ln w="9525" cap="flat" cmpd="sng">
-            <a:solidFill>
-              <a:srgbClr val="F3F3F3"/>
-            </a:solidFill>
-            <a:prstDash val="solid"/>
-            <a:round/>
-            <a:headEnd type="none" w="sm" len="sm"/>
-            <a:tailEnd type="none" w="sm" len="sm"/>
-          </a:ln>
-        </p:spPr>
-        <p:txBody>
-          <a:bodyPr spcFirstLastPara="1" wrap="square" lIns="91425" tIns="91425" rIns="91425" bIns="91425" anchor="ctr" anchorCtr="0">
-            <a:noAutofit/>
-          </a:bodyPr>
-          <a:lstStyle/>
-          <a:p>
-            <a:pPr marL="0" lvl="0" indent="0" algn="ctr" rtl="0">
-              <a:spcBef>
-                <a:spcPts val="0"/>
-              </a:spcBef>
-              <a:spcAft>
-                <a:spcPts val="0"/>
-              </a:spcAft>
-              <a:buNone/>
-            </a:pPr>
-            <a:r>
-              <a:rPr lang="pt-BR" sz="1000" dirty="0" smtClean="0"/>
-              <a:t>Salão</a:t>
-            </a:r>
-            <a:endParaRPr sz="1000" dirty="0"/>
-          </a:p>
-        </p:txBody>
-      </p:sp>
-      <p:cxnSp>
-        <p:nvCxnSpPr>
-          <p:cNvPr id="19" name="Google Shape;95;p14"/>
-          <p:cNvCxnSpPr>
-            <a:endCxn id="30" idx="1"/>
-          </p:cNvCxnSpPr>
-          <p:nvPr/>
-        </p:nvCxnSpPr>
-        <p:spPr>
-          <a:xfrm rot="16200000" flipH="1">
-            <a:off x="6077797" y="2724911"/>
-            <a:ext cx="996143" cy="402838"/>
-          </a:xfrm>
-          <a:prstGeom prst="curvedConnector2">
-            <a:avLst/>
-          </a:prstGeom>
-          <a:noFill/>
-          <a:ln w="9525" cap="flat" cmpd="sng">
-            <a:solidFill>
-              <a:schemeClr val="dk2"/>
-            </a:solidFill>
-            <a:prstDash val="solid"/>
-            <a:round/>
-            <a:headEnd type="none" w="med" len="med"/>
-            <a:tailEnd type="none" w="med" len="med"/>
-          </a:ln>
-        </p:spPr>
-      </p:cxnSp>
-      <p:sp>
-        <p:nvSpPr>
-          <p:cNvPr id="30" name="Google Shape;96;p14"/>
-          <p:cNvSpPr/>
-          <p:nvPr/>
-        </p:nvSpPr>
-        <p:spPr>
-          <a:xfrm>
-            <a:off x="6777287" y="3158602"/>
-            <a:ext cx="1723200" cy="531600"/>
-          </a:xfrm>
-          <a:prstGeom prst="bracketPair">
-            <a:avLst/>
-          </a:prstGeom>
-          <a:noFill/>
-          <a:ln w="9525" cap="flat" cmpd="sng">
-            <a:solidFill>
-              <a:schemeClr val="dk2"/>
-            </a:solidFill>
-            <a:prstDash val="solid"/>
-            <a:round/>
-            <a:headEnd type="none" w="sm" len="sm"/>
-            <a:tailEnd type="none" w="sm" len="sm"/>
-          </a:ln>
-        </p:spPr>
-        <p:txBody>
-          <a:bodyPr spcFirstLastPara="1" wrap="square" lIns="91425" tIns="91425" rIns="91425" bIns="91425" anchor="ctr" anchorCtr="0">
-            <a:noAutofit/>
-          </a:bodyPr>
-          <a:lstStyle/>
-          <a:p>
-            <a:pPr marL="457200" lvl="0" indent="-292100" algn="l" rtl="0">
-              <a:spcBef>
-                <a:spcPts val="0"/>
-              </a:spcBef>
-              <a:spcAft>
-                <a:spcPts val="0"/>
-              </a:spcAft>
-              <a:buSzPts val="1000"/>
-              <a:buChar char="●"/>
-            </a:pPr>
-            <a:r>
-              <a:rPr lang="pt-BR" sz="1000" dirty="0" smtClean="0"/>
-              <a:t>Realizar serviço</a:t>
-            </a:r>
-          </a:p>
-        </p:txBody>
-      </p:sp>
-      <p:cxnSp>
-        <p:nvCxnSpPr>
-          <p:cNvPr id="21" name="Google Shape;91;p14"/>
-          <p:cNvCxnSpPr>
-            <a:stCxn id="18" idx="0"/>
-            <a:endCxn id="82" idx="2"/>
-          </p:cNvCxnSpPr>
-          <p:nvPr/>
-        </p:nvCxnSpPr>
-        <p:spPr>
-          <a:xfrm rot="16200000" flipV="1">
-            <a:off x="4985076" y="486125"/>
-            <a:ext cx="971347" cy="1807398"/>
-          </a:xfrm>
-          <a:prstGeom prst="curvedConnector3">
-            <a:avLst>
-              <a:gd name="adj1" fmla="val 52446"/>
-            </a:avLst>
-          </a:prstGeom>
-          <a:noFill/>
-          <a:ln w="9525" cap="flat" cmpd="sng">
-            <a:solidFill>
-              <a:schemeClr val="dk2"/>
-            </a:solidFill>
-            <a:prstDash val="solid"/>
-            <a:round/>
-            <a:headEnd type="none" w="med" len="med"/>
-            <a:tailEnd type="none" w="med" len="med"/>
-          </a:ln>
-        </p:spPr>
-      </p:cxnSp>
     </p:spTree>
     <p:extLst>
       <p:ext uri="{BB962C8B-B14F-4D97-AF65-F5344CB8AC3E}">
-        <p14:creationId xmlns:p14="http://schemas.microsoft.com/office/powerpoint/2010/main" val="1190332562"/>
+        <p14:creationId xmlns:p14="http://schemas.microsoft.com/office/powerpoint/2010/main" val="3818359826"/>
       </p:ext>
     </p:extLst>
   </p:cSld>
@@ -8513,10 +8478,10 @@
               <a:buNone/>
             </a:pPr>
             <a:r>
-              <a:rPr lang="pt-BR"/>
+              <a:rPr lang="pt-BR" dirty="0"/>
               <a:t>Nós Operacionais</a:t>
             </a:r>
-            <a:endParaRPr/>
+            <a:endParaRPr dirty="0"/>
           </a:p>
         </p:txBody>
       </p:sp>
@@ -8575,7 +8540,7 @@
                   <a:schemeClr val="dk1"/>
                 </a:solidFill>
               </a:rPr>
-              <a:t>Comprar produto</a:t>
+              <a:t>Receber serviço</a:t>
             </a:r>
             <a:endParaRPr sz="1200" dirty="0"/>
           </a:p>
@@ -8651,7 +8616,7 @@
                   </a:spcAft>
                   <a:buNone/>
                 </a:pPr>
-                <a:endParaRPr/>
+                <a:endParaRPr dirty="0"/>
               </a:p>
             </p:txBody>
           </p:sp>
@@ -8877,10 +8842,825 @@
               <a:buNone/>
             </a:pPr>
             <a:r>
-              <a:rPr lang="pt-BR"/>
+              <a:rPr lang="pt-BR" dirty="0"/>
+              <a:t>Capacidades </a:t>
+            </a:r>
+            <a:r>
+              <a:rPr lang="pt-BR" dirty="0" smtClean="0"/>
+              <a:t>Operacionais</a:t>
+            </a:r>
+            <a:endParaRPr dirty="0"/>
+          </a:p>
+        </p:txBody>
+      </p:sp>
+      <p:cxnSp>
+        <p:nvCxnSpPr>
+          <p:cNvPr id="94" name="Google Shape;94;p14"/>
+          <p:cNvCxnSpPr>
+            <a:stCxn id="85" idx="0"/>
+            <a:endCxn id="82" idx="2"/>
+          </p:cNvCxnSpPr>
+          <p:nvPr/>
+        </p:nvCxnSpPr>
+        <p:spPr>
+          <a:xfrm rot="-5400000">
+            <a:off x="2790151" y="111815"/>
+            <a:ext cx="984600" cy="2569200"/>
+          </a:xfrm>
+          <a:prstGeom prst="curvedConnector3">
+            <a:avLst>
+              <a:gd name="adj1" fmla="val 47358"/>
+            </a:avLst>
+          </a:prstGeom>
+          <a:noFill/>
+          <a:ln w="9525" cap="flat" cmpd="sng">
+            <a:solidFill>
+              <a:schemeClr val="dk2"/>
+            </a:solidFill>
+            <a:prstDash val="solid"/>
+            <a:round/>
+            <a:headEnd type="none" w="med" len="med"/>
+            <a:tailEnd type="none" w="med" len="med"/>
+          </a:ln>
+        </p:spPr>
+      </p:cxnSp>
+      <p:cxnSp>
+        <p:nvCxnSpPr>
+          <p:cNvPr id="95" name="Google Shape;95;p14"/>
+          <p:cNvCxnSpPr>
+            <a:stCxn id="92" idx="2"/>
+            <a:endCxn id="96" idx="1"/>
+          </p:cNvCxnSpPr>
+          <p:nvPr/>
+        </p:nvCxnSpPr>
+        <p:spPr>
+          <a:xfrm rot="5400000">
+            <a:off x="3210563" y="2558918"/>
+            <a:ext cx="1164105" cy="787069"/>
+          </a:xfrm>
+          <a:prstGeom prst="curvedConnector4">
+            <a:avLst>
+              <a:gd name="adj1" fmla="val 35786"/>
+              <a:gd name="adj2" fmla="val 129044"/>
+            </a:avLst>
+          </a:prstGeom>
+          <a:noFill/>
+          <a:ln w="9525" cap="flat" cmpd="sng">
+            <a:solidFill>
+              <a:schemeClr val="dk2"/>
+            </a:solidFill>
+            <a:prstDash val="solid"/>
+            <a:round/>
+            <a:headEnd type="none" w="med" len="med"/>
+            <a:tailEnd type="none" w="med" len="med"/>
+          </a:ln>
+        </p:spPr>
+      </p:cxnSp>
+      <p:sp>
+        <p:nvSpPr>
+          <p:cNvPr id="96" name="Google Shape;96;p14"/>
+          <p:cNvSpPr/>
+          <p:nvPr/>
+        </p:nvSpPr>
+        <p:spPr>
+          <a:xfrm>
+            <a:off x="3399080" y="3203578"/>
+            <a:ext cx="2539265" cy="661853"/>
+          </a:xfrm>
+          <a:prstGeom prst="bracketPair">
+            <a:avLst/>
+          </a:prstGeom>
+          <a:noFill/>
+          <a:ln w="9525" cap="flat" cmpd="sng">
+            <a:solidFill>
+              <a:schemeClr val="dk2"/>
+            </a:solidFill>
+            <a:prstDash val="solid"/>
+            <a:round/>
+            <a:headEnd type="none" w="sm" len="sm"/>
+            <a:tailEnd type="none" w="sm" len="sm"/>
+          </a:ln>
+        </p:spPr>
+        <p:txBody>
+          <a:bodyPr spcFirstLastPara="1" wrap="square" lIns="91425" tIns="91425" rIns="91425" bIns="91425" anchor="ctr" anchorCtr="0">
+            <a:noAutofit/>
+          </a:bodyPr>
+          <a:lstStyle/>
+          <a:p>
+            <a:pPr marL="457200" lvl="0" indent="-292100" algn="l" rtl="0">
+              <a:spcBef>
+                <a:spcPts val="0"/>
+              </a:spcBef>
+              <a:spcAft>
+                <a:spcPts val="0"/>
+              </a:spcAft>
+              <a:buSzPts val="1000"/>
+              <a:buChar char="●"/>
+            </a:pPr>
+            <a:r>
+              <a:rPr lang="pt-BR" sz="1000" dirty="0" smtClean="0"/>
+              <a:t>Encaminhar Cliente ao funcionário</a:t>
+            </a:r>
+          </a:p>
+          <a:p>
+            <a:pPr marL="457200" lvl="0" indent="-292100" algn="l" rtl="0">
+              <a:spcBef>
+                <a:spcPts val="0"/>
+              </a:spcBef>
+              <a:spcAft>
+                <a:spcPts val="0"/>
+              </a:spcAft>
+              <a:buSzPts val="1000"/>
+              <a:buChar char="●"/>
+            </a:pPr>
+            <a:r>
+              <a:rPr lang="pt-BR" sz="1000" dirty="0" smtClean="0"/>
+              <a:t>Receber </a:t>
+            </a:r>
+            <a:r>
+              <a:rPr lang="pt-BR" sz="1000" dirty="0" smtClean="0"/>
+              <a:t>pagamento</a:t>
+            </a:r>
+            <a:r>
+              <a:rPr lang="pt-BR" sz="1000" dirty="0" smtClean="0"/>
+              <a:t> dinheiro ou cartão</a:t>
+            </a:r>
+            <a:endParaRPr lang="pt-BR" sz="1000" dirty="0" smtClean="0"/>
+          </a:p>
+        </p:txBody>
+      </p:sp>
+      <p:sp>
+        <p:nvSpPr>
+          <p:cNvPr id="92" name="Google Shape;92;p14"/>
+          <p:cNvSpPr/>
+          <p:nvPr/>
+        </p:nvSpPr>
+        <p:spPr>
+          <a:xfrm>
+            <a:off x="3564399" y="1838800"/>
+            <a:ext cx="1243500" cy="531600"/>
+          </a:xfrm>
+          <a:prstGeom prst="roundRect">
+            <a:avLst>
+              <a:gd name="adj" fmla="val 16667"/>
+            </a:avLst>
+          </a:prstGeom>
+          <a:gradFill>
+            <a:gsLst>
+              <a:gs pos="0">
+                <a:srgbClr val="D4E5F5"/>
+              </a:gs>
+              <a:gs pos="100000">
+                <a:srgbClr val="70A4D5"/>
+              </a:gs>
+            </a:gsLst>
+            <a:path path="circle">
+              <a:fillToRect l="50000" t="50000" r="50000" b="50000"/>
+            </a:path>
+            <a:tileRect/>
+          </a:gradFill>
+          <a:ln w="9525" cap="flat" cmpd="sng">
+            <a:solidFill>
+              <a:srgbClr val="F3F3F3"/>
+            </a:solidFill>
+            <a:prstDash val="solid"/>
+            <a:round/>
+            <a:headEnd type="none" w="sm" len="sm"/>
+            <a:tailEnd type="none" w="sm" len="sm"/>
+          </a:ln>
+        </p:spPr>
+        <p:txBody>
+          <a:bodyPr spcFirstLastPara="1" wrap="square" lIns="91425" tIns="91425" rIns="91425" bIns="91425" anchor="ctr" anchorCtr="0">
+            <a:noAutofit/>
+          </a:bodyPr>
+          <a:lstStyle/>
+          <a:p>
+            <a:pPr marL="0" lvl="0" indent="0" algn="ctr" rtl="0">
+              <a:spcBef>
+                <a:spcPts val="0"/>
+              </a:spcBef>
+              <a:spcAft>
+                <a:spcPts val="0"/>
+              </a:spcAft>
+              <a:buNone/>
+            </a:pPr>
+            <a:r>
+              <a:rPr lang="pt-BR" sz="1000" dirty="0" smtClean="0"/>
+              <a:t>Balcão</a:t>
+            </a:r>
+            <a:endParaRPr sz="1000" dirty="0"/>
+          </a:p>
+        </p:txBody>
+      </p:sp>
+      <p:sp>
+        <p:nvSpPr>
+          <p:cNvPr id="18" name="Google Shape;92;p14"/>
+          <p:cNvSpPr/>
+          <p:nvPr/>
+        </p:nvSpPr>
+        <p:spPr>
+          <a:xfrm>
+            <a:off x="5752698" y="1875497"/>
+            <a:ext cx="1243500" cy="531600"/>
+          </a:xfrm>
+          <a:prstGeom prst="roundRect">
+            <a:avLst>
+              <a:gd name="adj" fmla="val 16667"/>
+            </a:avLst>
+          </a:prstGeom>
+          <a:gradFill>
+            <a:gsLst>
+              <a:gs pos="0">
+                <a:srgbClr val="D4E5F5"/>
+              </a:gs>
+              <a:gs pos="100000">
+                <a:srgbClr val="70A4D5"/>
+              </a:gs>
+            </a:gsLst>
+            <a:path path="circle">
+              <a:fillToRect l="50000" t="50000" r="50000" b="50000"/>
+            </a:path>
+            <a:tileRect/>
+          </a:gradFill>
+          <a:ln w="9525" cap="flat" cmpd="sng">
+            <a:solidFill>
+              <a:srgbClr val="F3F3F3"/>
+            </a:solidFill>
+            <a:prstDash val="solid"/>
+            <a:round/>
+            <a:headEnd type="none" w="sm" len="sm"/>
+            <a:tailEnd type="none" w="sm" len="sm"/>
+          </a:ln>
+        </p:spPr>
+        <p:txBody>
+          <a:bodyPr spcFirstLastPara="1" wrap="square" lIns="91425" tIns="91425" rIns="91425" bIns="91425" anchor="ctr" anchorCtr="0">
+            <a:noAutofit/>
+          </a:bodyPr>
+          <a:lstStyle/>
+          <a:p>
+            <a:pPr marL="0" lvl="0" indent="0" algn="ctr" rtl="0">
+              <a:spcBef>
+                <a:spcPts val="0"/>
+              </a:spcBef>
+              <a:spcAft>
+                <a:spcPts val="0"/>
+              </a:spcAft>
+              <a:buNone/>
+            </a:pPr>
+            <a:r>
+              <a:rPr lang="pt-BR" sz="1000" dirty="0" smtClean="0"/>
+              <a:t>Salão</a:t>
+            </a:r>
+            <a:endParaRPr sz="1000" dirty="0"/>
+          </a:p>
+        </p:txBody>
+      </p:sp>
+      <p:cxnSp>
+        <p:nvCxnSpPr>
+          <p:cNvPr id="19" name="Google Shape;95;p14"/>
+          <p:cNvCxnSpPr>
+            <a:endCxn id="30" idx="1"/>
+          </p:cNvCxnSpPr>
+          <p:nvPr/>
+        </p:nvCxnSpPr>
+        <p:spPr>
+          <a:xfrm rot="16200000" flipH="1">
+            <a:off x="6077797" y="2724911"/>
+            <a:ext cx="996143" cy="402838"/>
+          </a:xfrm>
+          <a:prstGeom prst="curvedConnector2">
+            <a:avLst/>
+          </a:prstGeom>
+          <a:noFill/>
+          <a:ln w="9525" cap="flat" cmpd="sng">
+            <a:solidFill>
+              <a:schemeClr val="dk2"/>
+            </a:solidFill>
+            <a:prstDash val="solid"/>
+            <a:round/>
+            <a:headEnd type="none" w="med" len="med"/>
+            <a:tailEnd type="none" w="med" len="med"/>
+          </a:ln>
+        </p:spPr>
+      </p:cxnSp>
+      <p:sp>
+        <p:nvSpPr>
+          <p:cNvPr id="30" name="Google Shape;96;p14"/>
+          <p:cNvSpPr/>
+          <p:nvPr/>
+        </p:nvSpPr>
+        <p:spPr>
+          <a:xfrm>
+            <a:off x="6777287" y="3158602"/>
+            <a:ext cx="1723200" cy="531600"/>
+          </a:xfrm>
+          <a:prstGeom prst="bracketPair">
+            <a:avLst/>
+          </a:prstGeom>
+          <a:noFill/>
+          <a:ln w="9525" cap="flat" cmpd="sng">
+            <a:solidFill>
+              <a:schemeClr val="dk2"/>
+            </a:solidFill>
+            <a:prstDash val="solid"/>
+            <a:round/>
+            <a:headEnd type="none" w="sm" len="sm"/>
+            <a:tailEnd type="none" w="sm" len="sm"/>
+          </a:ln>
+        </p:spPr>
+        <p:txBody>
+          <a:bodyPr spcFirstLastPara="1" wrap="square" lIns="91425" tIns="91425" rIns="91425" bIns="91425" anchor="ctr" anchorCtr="0">
+            <a:noAutofit/>
+          </a:bodyPr>
+          <a:lstStyle/>
+          <a:p>
+            <a:pPr marL="457200" lvl="0" indent="-292100" algn="l" rtl="0">
+              <a:spcBef>
+                <a:spcPts val="0"/>
+              </a:spcBef>
+              <a:spcAft>
+                <a:spcPts val="0"/>
+              </a:spcAft>
+              <a:buSzPts val="1000"/>
+              <a:buChar char="●"/>
+            </a:pPr>
+            <a:r>
+              <a:rPr lang="pt-BR" sz="1000" dirty="0" smtClean="0"/>
+              <a:t>Realizar serviço</a:t>
+            </a:r>
+          </a:p>
+        </p:txBody>
+      </p:sp>
+      <p:cxnSp>
+        <p:nvCxnSpPr>
+          <p:cNvPr id="21" name="Google Shape;91;p14"/>
+          <p:cNvCxnSpPr>
+            <a:stCxn id="18" idx="0"/>
+            <a:endCxn id="82" idx="2"/>
+          </p:cNvCxnSpPr>
+          <p:nvPr/>
+        </p:nvCxnSpPr>
+        <p:spPr>
+          <a:xfrm rot="16200000" flipV="1">
+            <a:off x="4985076" y="486125"/>
+            <a:ext cx="971347" cy="1807398"/>
+          </a:xfrm>
+          <a:prstGeom prst="curvedConnector3">
+            <a:avLst>
+              <a:gd name="adj1" fmla="val 52446"/>
+            </a:avLst>
+          </a:prstGeom>
+          <a:noFill/>
+          <a:ln w="9525" cap="flat" cmpd="sng">
+            <a:solidFill>
+              <a:schemeClr val="dk2"/>
+            </a:solidFill>
+            <a:prstDash val="solid"/>
+            <a:round/>
+            <a:headEnd type="none" w="med" len="med"/>
+            <a:tailEnd type="none" w="med" len="med"/>
+          </a:ln>
+        </p:spPr>
+      </p:cxnSp>
+    </p:spTree>
+    <p:extLst>
+      <p:ext uri="{BB962C8B-B14F-4D97-AF65-F5344CB8AC3E}">
+        <p14:creationId xmlns:p14="http://schemas.microsoft.com/office/powerpoint/2010/main" val="1190332562"/>
+      </p:ext>
+    </p:extLst>
+  </p:cSld>
+  <p:clrMapOvr>
+    <a:masterClrMapping/>
+  </p:clrMapOvr>
+</p:sld>
+</file>
+
+<file path=ppt/slides/slide5.xml><?xml version="1.0" encoding="utf-8"?>
+<p:sld xmlns:a="http://schemas.openxmlformats.org/drawingml/2006/main" xmlns:r="http://schemas.openxmlformats.org/officeDocument/2006/relationships" xmlns:p="http://schemas.openxmlformats.org/presentationml/2006/main">
+  <p:cSld>
+    <p:spTree>
+      <p:nvGrpSpPr>
+        <p:cNvPr id="1" name="Shape 80"/>
+        <p:cNvGrpSpPr/>
+        <p:nvPr/>
+      </p:nvGrpSpPr>
+      <p:grpSpPr>
+        <a:xfrm>
+          <a:off x="0" y="0"/>
+          <a:ext cx="0" cy="0"/>
+          <a:chOff x="0" y="0"/>
+          <a:chExt cx="0" cy="0"/>
+        </a:xfrm>
+      </p:grpSpPr>
+      <p:sp>
+        <p:nvSpPr>
+          <p:cNvPr id="81" name="Google Shape;81;p14"/>
+          <p:cNvSpPr txBox="1"/>
+          <p:nvPr/>
+        </p:nvSpPr>
+        <p:spPr>
+          <a:xfrm>
+            <a:off x="130400" y="1445725"/>
+            <a:ext cx="8542500" cy="1367400"/>
+          </a:xfrm>
+          <a:prstGeom prst="rect">
+            <a:avLst/>
+          </a:prstGeom>
+          <a:noFill/>
+          <a:ln w="9525" cap="flat" cmpd="sng">
+            <a:solidFill>
+              <a:srgbClr val="FF9900"/>
+            </a:solidFill>
+            <a:prstDash val="solid"/>
+            <a:round/>
+            <a:headEnd type="none" w="sm" len="sm"/>
+            <a:tailEnd type="none" w="sm" len="sm"/>
+          </a:ln>
+        </p:spPr>
+        <p:txBody>
+          <a:bodyPr spcFirstLastPara="1" wrap="square" lIns="91425" tIns="91425" rIns="91425" bIns="91425" anchor="t" anchorCtr="0">
+            <a:noAutofit/>
+          </a:bodyPr>
+          <a:lstStyle/>
+          <a:p>
+            <a:pPr marL="0" lvl="0" indent="0" algn="l" rtl="0">
+              <a:spcBef>
+                <a:spcPts val="0"/>
+              </a:spcBef>
+              <a:spcAft>
+                <a:spcPts val="0"/>
+              </a:spcAft>
+              <a:buNone/>
+            </a:pPr>
+            <a:r>
+              <a:rPr lang="pt-BR" dirty="0"/>
+              <a:t>Nós Operacionais</a:t>
+            </a:r>
+            <a:endParaRPr dirty="0"/>
+          </a:p>
+        </p:txBody>
+      </p:sp>
+      <p:sp>
+        <p:nvSpPr>
+          <p:cNvPr id="82" name="Google Shape;82;p14"/>
+          <p:cNvSpPr/>
+          <p:nvPr/>
+        </p:nvSpPr>
+        <p:spPr>
+          <a:xfrm>
+            <a:off x="3659550" y="186275"/>
+            <a:ext cx="1815000" cy="771900"/>
+          </a:xfrm>
+          <a:prstGeom prst="wave">
+            <a:avLst>
+              <a:gd name="adj1" fmla="val 6999"/>
+              <a:gd name="adj2" fmla="val 0"/>
+            </a:avLst>
+          </a:prstGeom>
+          <a:solidFill>
+            <a:srgbClr val="F4CCCC"/>
+          </a:solidFill>
+          <a:ln w="9525" cap="flat" cmpd="sng">
+            <a:solidFill>
+              <a:srgbClr val="FFFFFF"/>
+            </a:solidFill>
+            <a:prstDash val="solid"/>
+            <a:round/>
+            <a:headEnd type="none" w="sm" len="sm"/>
+            <a:tailEnd type="none" w="sm" len="sm"/>
+          </a:ln>
+        </p:spPr>
+        <p:txBody>
+          <a:bodyPr spcFirstLastPara="1" wrap="square" lIns="91425" tIns="91425" rIns="91425" bIns="91425" anchor="ctr" anchorCtr="0">
+            <a:noAutofit/>
+          </a:bodyPr>
+          <a:lstStyle/>
+          <a:p>
+            <a:pPr marL="457200" lvl="0" indent="-292100" algn="l" rtl="0">
+              <a:spcBef>
+                <a:spcPts val="0"/>
+              </a:spcBef>
+              <a:spcAft>
+                <a:spcPts val="0"/>
+              </a:spcAft>
+              <a:buClr>
+                <a:schemeClr val="dk1"/>
+              </a:buClr>
+              <a:buSzPts val="1000"/>
+              <a:buChar char="❖"/>
+            </a:pPr>
+            <a:r>
+              <a:rPr lang="pt-BR" sz="1000" dirty="0" smtClean="0">
+                <a:solidFill>
+                  <a:schemeClr val="dk1"/>
+                </a:solidFill>
+              </a:rPr>
+              <a:t>Comprar produto</a:t>
+            </a:r>
+            <a:endParaRPr sz="1200" dirty="0"/>
+          </a:p>
+        </p:txBody>
+      </p:sp>
+      <p:grpSp>
+        <p:nvGrpSpPr>
+          <p:cNvPr id="83" name="Google Shape;83;p14"/>
+          <p:cNvGrpSpPr/>
+          <p:nvPr/>
+        </p:nvGrpSpPr>
+        <p:grpSpPr>
+          <a:xfrm>
+            <a:off x="1485327" y="1888715"/>
+            <a:ext cx="1021200" cy="830484"/>
+            <a:chOff x="2852000" y="3424900"/>
+            <a:chExt cx="1021200" cy="830484"/>
+          </a:xfrm>
+        </p:grpSpPr>
+        <p:grpSp>
+          <p:nvGrpSpPr>
+            <p:cNvPr id="84" name="Google Shape;84;p14"/>
+            <p:cNvGrpSpPr/>
+            <p:nvPr/>
+          </p:nvGrpSpPr>
+          <p:grpSpPr>
+            <a:xfrm>
+              <a:off x="3206355" y="3424900"/>
+              <a:ext cx="308885" cy="587736"/>
+              <a:chOff x="1499725" y="1450825"/>
+              <a:chExt cx="497400" cy="843600"/>
+            </a:xfrm>
+          </p:grpSpPr>
+          <p:sp>
+            <p:nvSpPr>
+              <p:cNvPr id="85" name="Google Shape;85;p14"/>
+              <p:cNvSpPr/>
+              <p:nvPr/>
+            </p:nvSpPr>
+            <p:spPr>
+              <a:xfrm>
+                <a:off x="1597825" y="1450825"/>
+                <a:ext cx="313200" cy="281400"/>
+              </a:xfrm>
+              <a:prstGeom prst="flowChartConnector">
+                <a:avLst/>
+              </a:prstGeom>
+              <a:solidFill>
+                <a:srgbClr val="EEEEEE"/>
+              </a:solidFill>
+              <a:ln w="9525" cap="flat" cmpd="sng">
+                <a:solidFill>
+                  <a:srgbClr val="595959"/>
+                </a:solidFill>
+                <a:prstDash val="solid"/>
+                <a:round/>
+                <a:headEnd type="none" w="sm" len="sm"/>
+                <a:tailEnd type="none" w="sm" len="sm"/>
+              </a:ln>
+            </p:spPr>
+            <p:txBody>
+              <a:bodyPr spcFirstLastPara="1" wrap="square" lIns="91425" tIns="91425" rIns="91425" bIns="91425" anchor="ctr" anchorCtr="0">
+                <a:noAutofit/>
+              </a:bodyPr>
+              <a:lstStyle/>
+              <a:p>
+                <a:pPr marL="0" lvl="0" indent="0" algn="l" rtl="0">
+                  <a:spcBef>
+                    <a:spcPts val="0"/>
+                  </a:spcBef>
+                  <a:spcAft>
+                    <a:spcPts val="0"/>
+                  </a:spcAft>
+                  <a:buNone/>
+                </a:pPr>
+                <a:endParaRPr dirty="0"/>
+              </a:p>
+            </p:txBody>
+          </p:sp>
+          <p:cxnSp>
+            <p:nvCxnSpPr>
+              <p:cNvPr id="86" name="Google Shape;86;p14"/>
+              <p:cNvCxnSpPr>
+                <a:stCxn id="85" idx="4"/>
+              </p:cNvCxnSpPr>
+              <p:nvPr/>
+            </p:nvCxnSpPr>
+            <p:spPr>
+              <a:xfrm flipH="1">
+                <a:off x="1748725" y="1732225"/>
+                <a:ext cx="5700" cy="293100"/>
+              </a:xfrm>
+              <a:prstGeom prst="straightConnector1">
+                <a:avLst/>
+              </a:prstGeom>
+              <a:noFill/>
+              <a:ln w="9525" cap="flat" cmpd="sng">
+                <a:solidFill>
+                  <a:srgbClr val="595959"/>
+                </a:solidFill>
+                <a:prstDash val="solid"/>
+                <a:round/>
+                <a:headEnd type="none" w="med" len="med"/>
+                <a:tailEnd type="none" w="med" len="med"/>
+              </a:ln>
+            </p:spPr>
+          </p:cxnSp>
+          <p:cxnSp>
+            <p:nvCxnSpPr>
+              <p:cNvPr id="87" name="Google Shape;87;p14"/>
+              <p:cNvCxnSpPr/>
+              <p:nvPr/>
+            </p:nvCxnSpPr>
+            <p:spPr>
+              <a:xfrm>
+                <a:off x="1527475" y="1858775"/>
+                <a:ext cx="453900" cy="1800"/>
+              </a:xfrm>
+              <a:prstGeom prst="straightConnector1">
+                <a:avLst/>
+              </a:prstGeom>
+              <a:noFill/>
+              <a:ln w="9525" cap="flat" cmpd="sng">
+                <a:solidFill>
+                  <a:srgbClr val="595959"/>
+                </a:solidFill>
+                <a:prstDash val="solid"/>
+                <a:round/>
+                <a:headEnd type="none" w="med" len="med"/>
+                <a:tailEnd type="none" w="med" len="med"/>
+              </a:ln>
+            </p:spPr>
+          </p:cxnSp>
+          <p:cxnSp>
+            <p:nvCxnSpPr>
+              <p:cNvPr id="88" name="Google Shape;88;p14"/>
+              <p:cNvCxnSpPr/>
+              <p:nvPr/>
+            </p:nvCxnSpPr>
+            <p:spPr>
+              <a:xfrm flipH="1">
+                <a:off x="1499725" y="2022925"/>
+                <a:ext cx="248700" cy="271500"/>
+              </a:xfrm>
+              <a:prstGeom prst="straightConnector1">
+                <a:avLst/>
+              </a:prstGeom>
+              <a:noFill/>
+              <a:ln w="9525" cap="flat" cmpd="sng">
+                <a:solidFill>
+                  <a:srgbClr val="595959"/>
+                </a:solidFill>
+                <a:prstDash val="solid"/>
+                <a:round/>
+                <a:headEnd type="none" w="med" len="med"/>
+                <a:tailEnd type="none" w="med" len="med"/>
+              </a:ln>
+            </p:spPr>
+          </p:cxnSp>
+          <p:cxnSp>
+            <p:nvCxnSpPr>
+              <p:cNvPr id="89" name="Google Shape;89;p14"/>
+              <p:cNvCxnSpPr/>
+              <p:nvPr/>
+            </p:nvCxnSpPr>
+            <p:spPr>
+              <a:xfrm rot="10800000">
+                <a:off x="1748425" y="2022925"/>
+                <a:ext cx="248700" cy="271500"/>
+              </a:xfrm>
+              <a:prstGeom prst="straightConnector1">
+                <a:avLst/>
+              </a:prstGeom>
+              <a:noFill/>
+              <a:ln w="9525" cap="flat" cmpd="sng">
+                <a:solidFill>
+                  <a:srgbClr val="595959"/>
+                </a:solidFill>
+                <a:prstDash val="solid"/>
+                <a:round/>
+                <a:headEnd type="none" w="med" len="med"/>
+                <a:tailEnd type="none" w="med" len="med"/>
+              </a:ln>
+            </p:spPr>
+          </p:cxnSp>
+        </p:grpSp>
+        <p:sp>
+          <p:nvSpPr>
+            <p:cNvPr id="90" name="Google Shape;90;p14"/>
+            <p:cNvSpPr txBox="1"/>
+            <p:nvPr/>
+          </p:nvSpPr>
+          <p:spPr>
+            <a:xfrm>
+              <a:off x="2852000" y="3912484"/>
+              <a:ext cx="1021200" cy="342900"/>
+            </a:xfrm>
+            <a:prstGeom prst="rect">
+              <a:avLst/>
+            </a:prstGeom>
+            <a:noFill/>
+            <a:ln>
+              <a:noFill/>
+            </a:ln>
+          </p:spPr>
+          <p:txBody>
+            <a:bodyPr spcFirstLastPara="1" wrap="square" lIns="91425" tIns="91425" rIns="91425" bIns="91425" anchor="t" anchorCtr="0">
+              <a:noAutofit/>
+            </a:bodyPr>
+            <a:lstStyle/>
+            <a:p>
+              <a:pPr marL="0" lvl="0" indent="0" algn="ctr" rtl="0">
+                <a:spcBef>
+                  <a:spcPts val="0"/>
+                </a:spcBef>
+                <a:spcAft>
+                  <a:spcPts val="0"/>
+                </a:spcAft>
+                <a:buNone/>
+              </a:pPr>
+              <a:r>
+                <a:rPr lang="pt-BR" sz="1200" b="1" dirty="0" smtClean="0"/>
+                <a:t>Cliente</a:t>
+              </a:r>
+              <a:endParaRPr sz="1200" b="1" dirty="0"/>
+            </a:p>
+          </p:txBody>
+        </p:sp>
+      </p:grpSp>
+      <p:cxnSp>
+        <p:nvCxnSpPr>
+          <p:cNvPr id="91" name="Google Shape;91;p14"/>
+          <p:cNvCxnSpPr>
+            <a:stCxn id="92" idx="0"/>
+            <a:endCxn id="82" idx="2"/>
+          </p:cNvCxnSpPr>
+          <p:nvPr/>
+        </p:nvCxnSpPr>
+        <p:spPr>
+          <a:xfrm rot="-5400000">
+            <a:off x="3909249" y="1180900"/>
+            <a:ext cx="934800" cy="381000"/>
+          </a:xfrm>
+          <a:prstGeom prst="curvedConnector3">
+            <a:avLst>
+              <a:gd name="adj1" fmla="val 47211"/>
+            </a:avLst>
+          </a:prstGeom>
+          <a:noFill/>
+          <a:ln w="9525" cap="flat" cmpd="sng">
+            <a:solidFill>
+              <a:schemeClr val="dk2"/>
+            </a:solidFill>
+            <a:prstDash val="solid"/>
+            <a:round/>
+            <a:headEnd type="none" w="med" len="med"/>
+            <a:tailEnd type="none" w="med" len="med"/>
+          </a:ln>
+        </p:spPr>
+      </p:cxnSp>
+      <p:sp>
+        <p:nvSpPr>
+          <p:cNvPr id="93" name="Google Shape;93;p14"/>
+          <p:cNvSpPr txBox="1"/>
+          <p:nvPr/>
+        </p:nvSpPr>
+        <p:spPr>
+          <a:xfrm>
+            <a:off x="130400" y="2813125"/>
+            <a:ext cx="8542500" cy="1367400"/>
+          </a:xfrm>
+          <a:prstGeom prst="rect">
+            <a:avLst/>
+          </a:prstGeom>
+          <a:noFill/>
+          <a:ln w="9525" cap="flat" cmpd="sng">
+            <a:solidFill>
+              <a:srgbClr val="FF9900"/>
+            </a:solidFill>
+            <a:prstDash val="solid"/>
+            <a:round/>
+            <a:headEnd type="none" w="sm" len="sm"/>
+            <a:tailEnd type="none" w="sm" len="sm"/>
+          </a:ln>
+        </p:spPr>
+        <p:txBody>
+          <a:bodyPr spcFirstLastPara="1" wrap="square" lIns="91425" tIns="91425" rIns="91425" bIns="91425" anchor="t" anchorCtr="0">
+            <a:noAutofit/>
+          </a:bodyPr>
+          <a:lstStyle/>
+          <a:p>
+            <a:pPr marL="0" lvl="0" indent="0" algn="l" rtl="0">
+              <a:spcBef>
+                <a:spcPts val="0"/>
+              </a:spcBef>
+              <a:spcAft>
+                <a:spcPts val="0"/>
+              </a:spcAft>
+              <a:buNone/>
+            </a:pPr>
+            <a:r>
+              <a:rPr lang="pt-BR" dirty="0"/>
               <a:t>Capacidades Operacionais</a:t>
             </a:r>
-            <a:endParaRPr/>
+            <a:endParaRPr dirty="0"/>
           </a:p>
         </p:txBody>
       </p:sp>
@@ -9133,7 +9913,7 @@
 </p:sld>
 </file>
 
-<file path=ppt/slides/slide5.xml><?xml version="1.0" encoding="utf-8"?>
+<file path=ppt/slides/slide6.xml><?xml version="1.0" encoding="utf-8"?>
 <p:sld xmlns:a="http://schemas.openxmlformats.org/drawingml/2006/main" xmlns:r="http://schemas.openxmlformats.org/officeDocument/2006/relationships" xmlns:p="http://schemas.openxmlformats.org/presentationml/2006/main">
   <p:cSld>
     <p:spTree>
@@ -9191,10 +9971,10 @@
               <a:buNone/>
             </a:pPr>
             <a:r>
-              <a:rPr lang="pt-BR"/>
+              <a:rPr lang="pt-BR" dirty="0"/>
               <a:t>Nós Operacionais</a:t>
             </a:r>
-            <a:endParaRPr/>
+            <a:endParaRPr dirty="0"/>
           </a:p>
         </p:txBody>
       </p:sp>
@@ -9248,26 +10028,13 @@
               <a:buChar char="❖"/>
             </a:pPr>
             <a:r>
-              <a:rPr lang="pt-BR" sz="1000" smtClean="0">
+              <a:rPr lang="pt-BR" sz="1000" dirty="0" smtClean="0">
                 <a:solidFill>
                   <a:schemeClr val="dk1"/>
                 </a:solidFill>
               </a:rPr>
-              <a:t>Fornecer </a:t>
+              <a:t>Fornecer orçamento</a:t>
             </a:r>
-            <a:r>
-              <a:rPr lang="pt-BR" sz="1000" smtClean="0">
-                <a:solidFill>
-                  <a:schemeClr val="dk1"/>
-                </a:solidFill>
-              </a:rPr>
-              <a:t>orçamento</a:t>
-            </a:r>
-            <a:endParaRPr lang="pt-BR" sz="1000" dirty="0" smtClean="0">
-              <a:solidFill>
-                <a:schemeClr val="dk1"/>
-              </a:solidFill>
-            </a:endParaRPr>
           </a:p>
         </p:txBody>
       </p:sp>
@@ -9341,7 +10108,7 @@
                   </a:spcAft>
                   <a:buNone/>
                 </a:pPr>
-                <a:endParaRPr/>
+                <a:endParaRPr dirty="0"/>
               </a:p>
             </p:txBody>
           </p:sp>
@@ -9567,10 +10334,10 @@
               <a:buNone/>
             </a:pPr>
             <a:r>
-              <a:rPr lang="pt-BR"/>
+              <a:rPr lang="pt-BR" dirty="0"/>
               <a:t>Capacidades Operacionais</a:t>
             </a:r>
-            <a:endParaRPr/>
+            <a:endParaRPr dirty="0"/>
           </a:p>
         </p:txBody>
       </p:sp>
@@ -9801,7 +10568,7 @@
 </p:sld>
 </file>
 
-<file path=ppt/slides/slide6.xml><?xml version="1.0" encoding="utf-8"?>
+<file path=ppt/slides/slide7.xml><?xml version="1.0" encoding="utf-8"?>
 <p:sld xmlns:a="http://schemas.openxmlformats.org/drawingml/2006/main" xmlns:r="http://schemas.openxmlformats.org/officeDocument/2006/relationships" xmlns:p="http://schemas.openxmlformats.org/presentationml/2006/main">
   <p:cSld>
     <p:spTree>
@@ -9859,10 +10626,10 @@
               <a:buNone/>
             </a:pPr>
             <a:r>
-              <a:rPr lang="pt-BR"/>
+              <a:rPr lang="pt-BR" dirty="0"/>
               <a:t>Nós Operacionais</a:t>
             </a:r>
-            <a:endParaRPr/>
+            <a:endParaRPr dirty="0"/>
           </a:p>
         </p:txBody>
       </p:sp>
@@ -10011,7 +10778,7 @@
                   </a:spcAft>
                   <a:buNone/>
                 </a:pPr>
-                <a:endParaRPr/>
+                <a:endParaRPr dirty="0"/>
               </a:p>
             </p:txBody>
           </p:sp>
@@ -10237,10 +11004,10 @@
               <a:buNone/>
             </a:pPr>
             <a:r>
-              <a:rPr lang="pt-BR"/>
+              <a:rPr lang="pt-BR" dirty="0"/>
               <a:t>Capacidades Operacionais</a:t>
             </a:r>
-            <a:endParaRPr/>
+            <a:endParaRPr dirty="0"/>
           </a:p>
         </p:txBody>
       </p:sp>

--- a/15. Arquitetura de Negócio para cada Cenário.pptx
+++ b/15. Arquitetura de Negócio para cada Cenário.pptx
@@ -5,16 +5,17 @@
     <p:sldMasterId id="2147483659" r:id="rId1"/>
   </p:sldMasterIdLst>
   <p:notesMasterIdLst>
-    <p:notesMasterId r:id="rId9"/>
+    <p:notesMasterId r:id="rId10"/>
   </p:notesMasterIdLst>
   <p:sldIdLst>
     <p:sldId id="256" r:id="rId2"/>
     <p:sldId id="257" r:id="rId3"/>
     <p:sldId id="263" r:id="rId4"/>
     <p:sldId id="258" r:id="rId5"/>
-    <p:sldId id="259" r:id="rId6"/>
-    <p:sldId id="260" r:id="rId7"/>
-    <p:sldId id="262" r:id="rId8"/>
+    <p:sldId id="260" r:id="rId6"/>
+    <p:sldId id="264" r:id="rId7"/>
+    <p:sldId id="265" r:id="rId8"/>
+    <p:sldId id="262" r:id="rId9"/>
   </p:sldIdLst>
   <p:sldSz cx="9144000" cy="5143500" type="screen16x9"/>
   <p:notesSz cx="6858000" cy="9144000"/>
@@ -253,6 +254,18 @@
     </p:ext>
   </p:extLst>
 </p:presentation>
+</file>
+
+<file path=ppt/revisionInfo.xml><?xml version="1.0" encoding="utf-8"?>
+<p1510:revInfo xmlns:a="http://schemas.openxmlformats.org/drawingml/2006/main" xmlns:r="http://schemas.openxmlformats.org/officeDocument/2006/relationships" xmlns:p1510="http://schemas.microsoft.com/office/powerpoint/2015/10/main">
+  <p1510:revLst>
+    <p1510:client id="{3FB49EED-4882-4629-BCC2-D53366AB5A13}" v="104" dt="2020-05-24T00:59:06.699"/>
+    <p1510:client id="{6EE4E4C1-BD00-41FD-A248-8D361918E7E9}" v="58" dt="2020-05-15T22:43:30.652"/>
+    <p1510:client id="{A0D317BE-F110-49EB-9310-FCE631DE7C97}" v="142" dt="2020-05-23T09:34:56.837"/>
+    <p1510:client id="{AB1E84C7-9DA4-488F-BACE-15BFD315DBBA}" v="104" dt="2020-05-27T05:21:44.559"/>
+    <p1510:client id="{DE686665-A645-4BFB-BA74-864B46D71F63}" v="6" dt="2020-05-27T06:26:59.764"/>
+  </p1510:revLst>
+</p1510:revInfo>
 </file>
 
 <file path=ppt/notesMasters/notesMaster1.xml><?xml version="1.0" encoding="utf-8"?>
@@ -1221,7 +1234,7 @@
     </p:spTree>
     <p:extLst>
       <p:ext uri="{BB962C8B-B14F-4D97-AF65-F5344CB8AC3E}">
-        <p14:creationId xmlns:p14="http://schemas.microsoft.com/office/powerpoint/2010/main" val="279782910"/>
+        <p14:creationId xmlns:p14="http://schemas.microsoft.com/office/powerpoint/2010/main" val="2004397524"/>
       </p:ext>
     </p:extLst>
   </p:cSld>
@@ -1330,7 +1343,7 @@
     </p:spTree>
     <p:extLst>
       <p:ext uri="{BB962C8B-B14F-4D97-AF65-F5344CB8AC3E}">
-        <p14:creationId xmlns:p14="http://schemas.microsoft.com/office/powerpoint/2010/main" val="2004397524"/>
+        <p14:creationId xmlns:p14="http://schemas.microsoft.com/office/powerpoint/2010/main" val="2680605860"/>
       </p:ext>
     </p:extLst>
   </p:cSld>
@@ -1341,6 +1354,115 @@
 </file>
 
 <file path=ppt/notesSlides/notesSlide7.xml><?xml version="1.0" encoding="utf-8"?>
+<p:notes xmlns:a="http://schemas.openxmlformats.org/drawingml/2006/main" xmlns:r="http://schemas.openxmlformats.org/officeDocument/2006/relationships" xmlns:p="http://schemas.openxmlformats.org/presentationml/2006/main" showMasterSp="0" showMasterPhAnim="0">
+  <p:cSld>
+    <p:spTree>
+      <p:nvGrpSpPr>
+        <p:cNvPr id="1" name="Shape 77"/>
+        <p:cNvGrpSpPr/>
+        <p:nvPr/>
+      </p:nvGrpSpPr>
+      <p:grpSpPr>
+        <a:xfrm>
+          <a:off x="0" y="0"/>
+          <a:ext cx="0" cy="0"/>
+          <a:chOff x="0" y="0"/>
+          <a:chExt cx="0" cy="0"/>
+        </a:xfrm>
+      </p:grpSpPr>
+      <p:sp>
+        <p:nvSpPr>
+          <p:cNvPr id="78" name="Google Shape;78;g2546aa1b3b_0_8:notes"/>
+          <p:cNvSpPr>
+            <a:spLocks noGrp="1" noRot="1" noChangeAspect="1"/>
+          </p:cNvSpPr>
+          <p:nvPr>
+            <p:ph type="sldImg" idx="2"/>
+          </p:nvPr>
+        </p:nvSpPr>
+        <p:spPr>
+          <a:xfrm>
+            <a:off x="381000" y="685800"/>
+            <a:ext cx="6096000" cy="3429000"/>
+          </a:xfrm>
+          <a:custGeom>
+            <a:avLst/>
+            <a:gdLst/>
+            <a:ahLst/>
+            <a:cxnLst/>
+            <a:rect l="l" t="t" r="r" b="b"/>
+            <a:pathLst>
+              <a:path w="120000" h="120000" extrusionOk="0">
+                <a:moveTo>
+                  <a:pt x="0" y="0"/>
+                </a:moveTo>
+                <a:lnTo>
+                  <a:pt x="120000" y="0"/>
+                </a:lnTo>
+                <a:lnTo>
+                  <a:pt x="120000" y="120000"/>
+                </a:lnTo>
+                <a:lnTo>
+                  <a:pt x="0" y="120000"/>
+                </a:lnTo>
+                <a:close/>
+              </a:path>
+            </a:pathLst>
+          </a:custGeom>
+        </p:spPr>
+      </p:sp>
+      <p:sp>
+        <p:nvSpPr>
+          <p:cNvPr id="79" name="Google Shape;79;g2546aa1b3b_0_8:notes"/>
+          <p:cNvSpPr txBox="1">
+            <a:spLocks noGrp="1"/>
+          </p:cNvSpPr>
+          <p:nvPr>
+            <p:ph type="body" idx="1"/>
+          </p:nvPr>
+        </p:nvSpPr>
+        <p:spPr>
+          <a:xfrm>
+            <a:off x="685800" y="4343400"/>
+            <a:ext cx="5486400" cy="4114800"/>
+          </a:xfrm>
+          <a:prstGeom prst="rect">
+            <a:avLst/>
+          </a:prstGeom>
+        </p:spPr>
+        <p:txBody>
+          <a:bodyPr spcFirstLastPara="1" wrap="square" lIns="91425" tIns="91425" rIns="91425" bIns="91425" anchor="t" anchorCtr="0">
+            <a:noAutofit/>
+          </a:bodyPr>
+          <a:lstStyle/>
+          <a:p>
+            <a:pPr marL="0" lvl="0" indent="0" algn="l" rtl="0">
+              <a:spcBef>
+                <a:spcPts val="0"/>
+              </a:spcBef>
+              <a:spcAft>
+                <a:spcPts val="0"/>
+              </a:spcAft>
+              <a:buNone/>
+            </a:pPr>
+            <a:endParaRPr dirty="0"/>
+          </a:p>
+        </p:txBody>
+      </p:sp>
+    </p:spTree>
+    <p:extLst>
+      <p:ext uri="{BB962C8B-B14F-4D97-AF65-F5344CB8AC3E}">
+        <p14:creationId xmlns:p14="http://schemas.microsoft.com/office/powerpoint/2010/main" val="1937238973"/>
+      </p:ext>
+    </p:extLst>
+  </p:cSld>
+  <p:clrMapOvr>
+    <a:masterClrMapping/>
+  </p:clrMapOvr>
+</p:notes>
+</file>
+
+<file path=ppt/notesSlides/notesSlide8.xml><?xml version="1.0" encoding="utf-8"?>
 <p:notes xmlns:a="http://schemas.openxmlformats.org/drawingml/2006/main" xmlns:r="http://schemas.openxmlformats.org/officeDocument/2006/relationships" xmlns:p="http://schemas.openxmlformats.org/presentationml/2006/main" showMasterSp="0" showMasterPhAnim="0">
   <p:cSld>
     <p:spTree>
@@ -6277,12 +6399,8 @@
               <a:buNone/>
             </a:pPr>
             <a:r>
-              <a:rPr lang="pt-BR" sz="1200" dirty="0" smtClean="0"/>
-              <a:t>Salete </a:t>
-            </a:r>
-            <a:r>
-              <a:rPr lang="pt-BR" sz="1200" dirty="0" smtClean="0"/>
-              <a:t>Hair</a:t>
+              <a:rPr lang="pt-BR" sz="1200" dirty="0"/>
+              <a:t>Salete Hair</a:t>
             </a:r>
             <a:endParaRPr sz="1200" dirty="0"/>
           </a:p>
@@ -6344,7 +6462,7 @@
               <a:buNone/>
             </a:pPr>
             <a:r>
-              <a:rPr lang="pt-BR" sz="1000" dirty="0" smtClean="0"/>
+              <a:rPr lang="pt-BR" sz="1000" dirty="0"/>
               <a:t>SALETE HAIR</a:t>
             </a:r>
             <a:endParaRPr sz="1000" dirty="0"/>
@@ -6567,7 +6685,7 @@
                 <a:buNone/>
               </a:pPr>
               <a:r>
-                <a:rPr lang="pt-BR" sz="1200" b="1" dirty="0" smtClean="0"/>
+                <a:rPr lang="pt-BR" sz="1200" b="1" dirty="0"/>
                 <a:t>Fornecedor</a:t>
               </a:r>
               <a:endParaRPr sz="1200" b="1" dirty="0"/>
@@ -6791,7 +6909,7 @@
                 <a:buNone/>
               </a:pPr>
               <a:r>
-                <a:rPr lang="pt-BR" sz="1200" b="1" dirty="0" smtClean="0"/>
+                <a:rPr lang="pt-BR" sz="1200" b="1" dirty="0"/>
                 <a:t>Cliente</a:t>
               </a:r>
               <a:endParaRPr sz="1200" b="1" dirty="0"/>
@@ -6895,7 +7013,7 @@
               <a:buSzPts val="1000"/>
               <a:buChar char="❖"/>
             </a:pPr>
-            <a:endParaRPr lang="pt-BR" sz="1000" dirty="0" smtClean="0">
+            <a:endParaRPr lang="pt-BR" sz="1000" dirty="0">
               <a:solidFill>
                 <a:schemeClr val="dk1"/>
               </a:solidFill>
@@ -6916,20 +7034,12 @@
               <a:buChar char="❖"/>
             </a:pPr>
             <a:r>
-              <a:rPr lang="pt-BR" sz="1000" dirty="0" smtClean="0">
+              <a:rPr lang="pt-BR" sz="1000" dirty="0">
                 <a:solidFill>
                   <a:schemeClr val="dk1"/>
                 </a:solidFill>
               </a:rPr>
-              <a:t>Agendar </a:t>
-            </a:r>
-            <a:r>
-              <a:rPr lang="pt-BR" sz="1000" dirty="0" smtClean="0">
-                <a:solidFill>
-                  <a:schemeClr val="dk1"/>
-                </a:solidFill>
-              </a:rPr>
-              <a:t>serviço</a:t>
+              <a:t>Agendar serviço</a:t>
             </a:r>
           </a:p>
           <a:p>
@@ -6947,18 +7057,13 @@
               <a:buChar char="❖"/>
             </a:pPr>
             <a:r>
-              <a:rPr lang="pt-BR" sz="1000" dirty="0" smtClean="0">
+              <a:rPr lang="pt-BR" sz="1000" dirty="0">
                 <a:solidFill>
                   <a:schemeClr val="dk1"/>
                 </a:solidFill>
               </a:rPr>
               <a:t>Cancelar agendamento</a:t>
             </a:r>
-            <a:endParaRPr lang="pt-BR" sz="1000" dirty="0" smtClean="0">
-              <a:solidFill>
-                <a:schemeClr val="dk1"/>
-              </a:solidFill>
-            </a:endParaRPr>
           </a:p>
           <a:p>
             <a:pPr marL="457200" lvl="0" indent="-292100" algn="l" rtl="0">
@@ -6975,41 +7080,13 @@
               <a:buChar char="❖"/>
             </a:pPr>
             <a:r>
-              <a:rPr lang="pt-BR" sz="1000" dirty="0" smtClean="0">
+              <a:rPr lang="pt-BR" sz="1000" dirty="0">
                 <a:solidFill>
                   <a:schemeClr val="dk1"/>
                 </a:solidFill>
               </a:rPr>
               <a:t>Receber serviço</a:t>
             </a:r>
-          </a:p>
-          <a:p>
-            <a:pPr marL="457200" lvl="0" indent="-292100" algn="l" rtl="0">
-              <a:spcBef>
-                <a:spcPts val="0"/>
-              </a:spcBef>
-              <a:spcAft>
-                <a:spcPts val="0"/>
-              </a:spcAft>
-              <a:buClr>
-                <a:schemeClr val="dk1"/>
-              </a:buClr>
-              <a:buSzPts val="1000"/>
-              <a:buChar char="❖"/>
-            </a:pPr>
-            <a:r>
-              <a:rPr lang="pt-BR" sz="1000" dirty="0" smtClean="0">
-                <a:solidFill>
-                  <a:schemeClr val="dk1"/>
-                </a:solidFill>
-              </a:rPr>
-              <a:t>Compra produto </a:t>
-            </a:r>
-            <a:endParaRPr sz="1000" dirty="0">
-              <a:solidFill>
-                <a:schemeClr val="dk1"/>
-              </a:solidFill>
-            </a:endParaRPr>
           </a:p>
         </p:txBody>
       </p:sp>
@@ -7038,38 +7115,35 @@
           </a:bodyPr>
           <a:lstStyle/>
           <a:p>
-            <a:pPr marL="457200" lvl="0" indent="-292100" algn="l" rtl="0">
-              <a:spcBef>
-                <a:spcPts val="0"/>
-              </a:spcBef>
-              <a:spcAft>
-                <a:spcPts val="0"/>
-              </a:spcAft>
+            <a:pPr marL="457200" indent="-292100">
               <a:buSzPts val="1000"/>
               <a:buChar char="❖"/>
             </a:pPr>
             <a:r>
-              <a:rPr lang="pt-BR" sz="1000" dirty="0" smtClean="0">
+              <a:rPr lang="pt-BR" sz="1000" dirty="0">
                 <a:solidFill>
                   <a:schemeClr val="dk1"/>
                 </a:solidFill>
               </a:rPr>
-              <a:t>Fornecer orçamento</a:t>
+              <a:t>Realizar venda</a:t>
             </a:r>
-            <a:endParaRPr sz="1000" dirty="0" smtClean="0">
-              <a:solidFill>
-                <a:schemeClr val="dk1"/>
-              </a:solidFill>
-            </a:endParaRPr>
           </a:p>
           <a:p>
-            <a:pPr marL="457200" lvl="0" indent="-292100" algn="l" rtl="0">
-              <a:spcBef>
-                <a:spcPts val="0"/>
-              </a:spcBef>
-              <a:spcAft>
-                <a:spcPts val="0"/>
-              </a:spcAft>
+            <a:pPr marL="457200" indent="-292100">
+              <a:buSzPts val="1000"/>
+              <a:buChar char="❖"/>
+            </a:pPr>
+            <a:r>
+              <a:rPr lang="pt-BR" sz="1000" dirty="0">
+                <a:solidFill>
+                  <a:schemeClr val="dk1"/>
+                </a:solidFill>
+              </a:rPr>
+              <a:t>Realizar entrega</a:t>
+            </a:r>
+          </a:p>
+          <a:p>
+            <a:pPr marL="457200" indent="-292100">
               <a:buClr>
                 <a:schemeClr val="dk1"/>
               </a:buClr>
@@ -7077,7 +7151,30 @@
               <a:buChar char="❖"/>
             </a:pPr>
             <a:r>
-              <a:rPr lang="pt-BR" sz="1000" dirty="0" smtClean="0">
+              <a:rPr lang="pt-BR" sz="1000" dirty="0">
+                <a:solidFill>
+                  <a:schemeClr val="dk1"/>
+                </a:solidFill>
+              </a:rPr>
+              <a:t>Realizar orçamento</a:t>
+            </a:r>
+          </a:p>
+          <a:p>
+            <a:pPr marL="457200" lvl="0" indent="-292100" algn="l" rtl="0">
+              <a:spcBef>
+                <a:spcPts val="0"/>
+              </a:spcBef>
+              <a:spcAft>
+                <a:spcPts val="0"/>
+              </a:spcAft>
+              <a:buClr>
+                <a:schemeClr val="dk1"/>
+              </a:buClr>
+              <a:buSzPts val="1000"/>
+              <a:buChar char="❖"/>
+            </a:pPr>
+            <a:r>
+              <a:rPr lang="pt-BR" sz="1000" dirty="0">
                 <a:solidFill>
                   <a:schemeClr val="dk1"/>
                 </a:solidFill>
@@ -7286,7 +7383,7 @@
               <a:buChar char="❖"/>
             </a:pPr>
             <a:r>
-              <a:rPr lang="pt-BR" sz="1000" dirty="0" smtClean="0">
+              <a:rPr lang="pt-BR" sz="1000" dirty="0">
                 <a:solidFill>
                   <a:schemeClr val="dk1"/>
                 </a:solidFill>
@@ -7513,7 +7610,7 @@
                 <a:buNone/>
               </a:pPr>
               <a:r>
-                <a:rPr lang="pt-BR" sz="1200" b="1" dirty="0" smtClean="0"/>
+                <a:rPr lang="pt-BR" sz="1200" b="1" dirty="0"/>
                 <a:t>Cliente</a:t>
               </a:r>
               <a:endParaRPr sz="1200" b="1" dirty="0"/>
@@ -7669,7 +7766,7 @@
         <p:spPr>
           <a:xfrm>
             <a:off x="5302133" y="3300675"/>
-            <a:ext cx="2275825" cy="531600"/>
+            <a:ext cx="2696362" cy="531600"/>
           </a:xfrm>
           <a:prstGeom prst="bracketPair">
             <a:avLst/>
@@ -7691,35 +7788,13 @@
           </a:bodyPr>
           <a:lstStyle/>
           <a:p>
-            <a:pPr marL="457200" lvl="0" indent="-292100" algn="l" rtl="0">
-              <a:spcBef>
-                <a:spcPts val="0"/>
-              </a:spcBef>
-              <a:spcAft>
-                <a:spcPts val="0"/>
-              </a:spcAft>
+            <a:pPr marL="457200" indent="-292100">
               <a:buSzPts val="1000"/>
               <a:buChar char="●"/>
             </a:pPr>
             <a:r>
-              <a:rPr lang="pt-BR" sz="1000" dirty="0" smtClean="0"/>
-              <a:t>Receber pedido</a:t>
-            </a:r>
-          </a:p>
-          <a:p>
-            <a:pPr marL="457200" lvl="0" indent="-292100" algn="l" rtl="0">
-              <a:spcBef>
-                <a:spcPts val="0"/>
-              </a:spcBef>
-              <a:spcAft>
-                <a:spcPts val="0"/>
-              </a:spcAft>
-              <a:buSzPts val="1000"/>
-              <a:buChar char="●"/>
-            </a:pPr>
-            <a:r>
-              <a:rPr lang="pt-BR" sz="1000" dirty="0" smtClean="0"/>
-              <a:t>Encaminhar pedido</a:t>
+              <a:rPr lang="pt-BR" sz="1000" dirty="0"/>
+              <a:t>Realizar agendamento</a:t>
             </a:r>
           </a:p>
         </p:txBody>
@@ -7780,7 +7855,7 @@
               <a:buNone/>
             </a:pPr>
             <a:r>
-              <a:rPr lang="pt-BR" sz="1000" dirty="0" smtClean="0"/>
+              <a:rPr lang="pt-BR" sz="1000" dirty="0"/>
               <a:t>Balcão</a:t>
             </a:r>
             <a:endParaRPr sz="1000" dirty="0"/>
@@ -7910,7 +7985,7 @@
               <a:buChar char="❖"/>
             </a:pPr>
             <a:r>
-              <a:rPr lang="pt-BR" sz="1200" dirty="0" smtClean="0"/>
+              <a:rPr lang="pt-BR" sz="1200" dirty="0"/>
               <a:t>Cancelar agendamento</a:t>
             </a:r>
             <a:endParaRPr sz="1200" dirty="0"/>
@@ -8133,7 +8208,7 @@
                 <a:buNone/>
               </a:pPr>
               <a:r>
-                <a:rPr lang="pt-BR" sz="1200" b="1" dirty="0" smtClean="0"/>
+                <a:rPr lang="pt-BR" sz="1200" b="1" dirty="0"/>
                 <a:t>Cliente</a:t>
               </a:r>
               <a:endParaRPr sz="1200" b="1" dirty="0"/>
@@ -8214,11 +8289,7 @@
             </a:pPr>
             <a:r>
               <a:rPr lang="pt-BR" dirty="0"/>
-              <a:t>Capacidades </a:t>
-            </a:r>
-            <a:r>
-              <a:rPr lang="pt-BR" dirty="0" smtClean="0"/>
-              <a:t>Operacionais</a:t>
+              <a:t>Capacidades Operacionais</a:t>
             </a:r>
             <a:endParaRPr dirty="0"/>
           </a:p>
@@ -8315,32 +8386,15 @@
           </a:bodyPr>
           <a:lstStyle/>
           <a:p>
-            <a:pPr marL="457200" lvl="0" indent="-292100" algn="l" rtl="0">
-              <a:spcBef>
-                <a:spcPts val="0"/>
-              </a:spcBef>
-              <a:spcAft>
-                <a:spcPts val="0"/>
-              </a:spcAft>
-              <a:buSzPts val="1000"/>
-              <a:buChar char="●"/>
-            </a:pPr>
-            <a:r>
-              <a:rPr lang="pt-BR" sz="1000" dirty="0" smtClean="0"/>
-              <a:t>Consultar serviço</a:t>
-            </a:r>
-          </a:p>
-          <a:p>
             <a:pPr marL="457200" indent="-292100">
               <a:buSzPts val="1000"/>
               <a:buFont typeface="Arial"/>
               <a:buChar char="●"/>
             </a:pPr>
             <a:r>
-              <a:rPr lang="pt-BR" sz="1000" dirty="0" smtClean="0"/>
-              <a:t>Cancelamento</a:t>
+              <a:rPr lang="pt-BR" sz="1000"/>
+              <a:t>Cancelar agendamento</a:t>
             </a:r>
-            <a:endParaRPr lang="pt-BR" sz="1000" dirty="0"/>
           </a:p>
         </p:txBody>
       </p:sp>
@@ -8400,7 +8454,7 @@
               <a:buNone/>
             </a:pPr>
             <a:r>
-              <a:rPr lang="pt-BR" sz="1000" dirty="0" smtClean="0"/>
+              <a:rPr lang="pt-BR" sz="1000" dirty="0"/>
               <a:t>Balcão</a:t>
             </a:r>
             <a:endParaRPr sz="1000" dirty="0"/>
@@ -8535,7 +8589,7 @@
               <a:buChar char="❖"/>
             </a:pPr>
             <a:r>
-              <a:rPr lang="pt-BR" sz="1000" dirty="0" smtClean="0">
+              <a:rPr lang="pt-BR" sz="1000" dirty="0">
                 <a:solidFill>
                   <a:schemeClr val="dk1"/>
                 </a:solidFill>
@@ -8762,7 +8816,7 @@
                 <a:buNone/>
               </a:pPr>
               <a:r>
-                <a:rPr lang="pt-BR" sz="1200" b="1" dirty="0" smtClean="0"/>
+                <a:rPr lang="pt-BR" sz="1200" b="1" dirty="0"/>
                 <a:t>Cliente</a:t>
               </a:r>
               <a:endParaRPr sz="1200" b="1" dirty="0"/>
@@ -8843,11 +8897,7 @@
             </a:pPr>
             <a:r>
               <a:rPr lang="pt-BR" dirty="0"/>
-              <a:t>Capacidades </a:t>
-            </a:r>
-            <a:r>
-              <a:rPr lang="pt-BR" dirty="0" smtClean="0"/>
-              <a:t>Operacionais</a:t>
+              <a:t>Capacidades Operacionais</a:t>
             </a:r>
             <a:endParaRPr dirty="0"/>
           </a:p>
@@ -8958,34 +9008,36 @@
               <a:buChar char="●"/>
             </a:pPr>
             <a:r>
-              <a:rPr lang="pt-BR" sz="1000" dirty="0" smtClean="0"/>
-              <a:t>Encaminhar Cliente ao funcionário</a:t>
+              <a:rPr lang="pt-BR" sz="1000" dirty="0"/>
+              <a:t>Encaminhar cliente ao profissional</a:t>
             </a:r>
           </a:p>
           <a:p>
-            <a:pPr marL="457200" lvl="0" indent="-292100" algn="l" rtl="0">
-              <a:spcBef>
-                <a:spcPts val="0"/>
-              </a:spcBef>
-              <a:spcAft>
-                <a:spcPts val="0"/>
-              </a:spcAft>
+            <a:pPr marL="457200" indent="-292100">
               <a:buSzPts val="1000"/>
               <a:buChar char="●"/>
             </a:pPr>
             <a:r>
-              <a:rPr lang="pt-BR" sz="1000" dirty="0" smtClean="0"/>
-              <a:t>Receber </a:t>
+              <a:rPr lang="pt-BR" sz="1000"/>
+              <a:t>Fechar serviços</a:t>
             </a:r>
+            <a:endParaRPr lang="pt-BR" sz="1000" dirty="0"/>
+          </a:p>
+          <a:p>
+            <a:pPr marL="457200" lvl="0" indent="-292100" algn="l" rtl="0">
+              <a:spcBef>
+                <a:spcPts val="0"/>
+              </a:spcBef>
+              <a:spcAft>
+                <a:spcPts val="0"/>
+              </a:spcAft>
+              <a:buSzPts val="1000"/>
+              <a:buChar char="●"/>
+            </a:pPr>
             <a:r>
-              <a:rPr lang="pt-BR" sz="1000" dirty="0" smtClean="0"/>
-              <a:t>pagamento</a:t>
+              <a:rPr lang="pt-BR" sz="1000" dirty="0"/>
+              <a:t>Receber pagamento dinheiro ou cartão</a:t>
             </a:r>
-            <a:r>
-              <a:rPr lang="pt-BR" sz="1000" dirty="0" smtClean="0"/>
-              <a:t> dinheiro ou cartão</a:t>
-            </a:r>
-            <a:endParaRPr lang="pt-BR" sz="1000" dirty="0" smtClean="0"/>
           </a:p>
         </p:txBody>
       </p:sp>
@@ -9045,7 +9097,7 @@
               <a:buNone/>
             </a:pPr>
             <a:r>
-              <a:rPr lang="pt-BR" sz="1000" dirty="0" smtClean="0"/>
+              <a:rPr lang="pt-BR" sz="1000" dirty="0"/>
               <a:t>Balcão</a:t>
             </a:r>
             <a:endParaRPr sz="1000" dirty="0"/>
@@ -9108,7 +9160,7 @@
               <a:buNone/>
             </a:pPr>
             <a:r>
-              <a:rPr lang="pt-BR" sz="1000" dirty="0" smtClean="0"/>
+              <a:rPr lang="pt-BR" sz="1000" dirty="0"/>
               <a:t>Salão</a:t>
             </a:r>
             <a:endParaRPr sz="1000" dirty="0"/>
@@ -9125,8 +9177,8 @@
         </p:nvCxnSpPr>
         <p:spPr>
           <a:xfrm rot="16200000" flipH="1">
-            <a:off x="6077797" y="2724911"/>
-            <a:ext cx="996143" cy="402838"/>
+            <a:off x="5959182" y="2843522"/>
+            <a:ext cx="963795" cy="133265"/>
           </a:xfrm>
           <a:prstGeom prst="curvedConnector2">
             <a:avLst/>
@@ -9151,8 +9203,8 @@
         </p:nvSpPr>
         <p:spPr>
           <a:xfrm>
-            <a:off x="6777287" y="3158602"/>
-            <a:ext cx="1723200" cy="531600"/>
+            <a:off x="6507712" y="2953725"/>
+            <a:ext cx="2100605" cy="876656"/>
           </a:xfrm>
           <a:prstGeom prst="bracketPair">
             <a:avLst/>
@@ -9174,19 +9226,44 @@
           </a:bodyPr>
           <a:lstStyle/>
           <a:p>
-            <a:pPr marL="457200" lvl="0" indent="-292100" algn="l" rtl="0">
-              <a:spcBef>
-                <a:spcPts val="0"/>
-              </a:spcBef>
-              <a:spcAft>
-                <a:spcPts val="0"/>
-              </a:spcAft>
+            <a:pPr marL="457200" lvl="1" indent="-292100">
               <a:buSzPts val="1000"/>
               <a:buChar char="●"/>
             </a:pPr>
             <a:r>
-              <a:rPr lang="pt-BR" sz="1000" dirty="0" smtClean="0"/>
-              <a:t>Realizar serviço</a:t>
+              <a:rPr lang="pt-BR" sz="1000" dirty="0"/>
+              <a:t>Chamar cliente</a:t>
+            </a:r>
+          </a:p>
+          <a:p>
+            <a:pPr marL="457200" lvl="1" indent="-292100">
+              <a:buSzPts val="1000"/>
+              <a:buChar char="●"/>
+            </a:pPr>
+            <a:r>
+              <a:rPr lang="pt-BR" sz="1000" dirty="0"/>
+              <a:t>Solicitar preferências</a:t>
+            </a:r>
+            <a:endParaRPr lang="pt-BR" dirty="0"/>
+          </a:p>
+          <a:p>
+            <a:pPr marL="457200" lvl="1" indent="-292100">
+              <a:buSzPts val="1000"/>
+              <a:buChar char="●"/>
+            </a:pPr>
+            <a:r>
+              <a:rPr lang="pt-BR" sz="1000" dirty="0"/>
+              <a:t>Executar serviço</a:t>
+            </a:r>
+          </a:p>
+          <a:p>
+            <a:pPr marL="457200" lvl="1" indent="-292100">
+              <a:buSzPts val="1000"/>
+              <a:buChar char="●"/>
+            </a:pPr>
+            <a:r>
+              <a:rPr lang="pt-BR" sz="1000" dirty="0"/>
+              <a:t>Receber processos realizados</a:t>
             </a:r>
           </a:p>
         </p:txBody>
@@ -9308,8 +9385,8 @@
         </p:nvSpPr>
         <p:spPr>
           <a:xfrm>
-            <a:off x="3659550" y="186275"/>
-            <a:ext cx="1815000" cy="771900"/>
+            <a:off x="3659549" y="186275"/>
+            <a:ext cx="1973995" cy="771900"/>
           </a:xfrm>
           <a:prstGeom prst="wave">
             <a:avLst>
@@ -9336,13 +9413,7 @@
           </a:bodyPr>
           <a:lstStyle/>
           <a:p>
-            <a:pPr marL="457200" lvl="0" indent="-292100" algn="l" rtl="0">
-              <a:spcBef>
-                <a:spcPts val="0"/>
-              </a:spcBef>
-              <a:spcAft>
-                <a:spcPts val="0"/>
-              </a:spcAft>
+            <a:pPr marL="457200" indent="-292100">
               <a:buClr>
                 <a:schemeClr val="dk1"/>
               </a:buClr>
@@ -9350,14 +9421,13 @@
               <a:buChar char="❖"/>
             </a:pPr>
             <a:r>
-              <a:rPr lang="pt-BR" sz="1000" dirty="0" smtClean="0">
+              <a:rPr lang="pt-BR" sz="1000" dirty="0">
                 <a:solidFill>
                   <a:schemeClr val="dk1"/>
                 </a:solidFill>
               </a:rPr>
-              <a:t>Comprar produto</a:t>
+              <a:t>Realizar venda</a:t>
             </a:r>
-            <a:endParaRPr sz="1200" dirty="0"/>
           </a:p>
         </p:txBody>
       </p:sp>
@@ -9577,8 +9647,8 @@
                 <a:buNone/>
               </a:pPr>
               <a:r>
-                <a:rPr lang="pt-BR" sz="1200" b="1" dirty="0" smtClean="0"/>
-                <a:t>Cliente</a:t>
+                <a:rPr lang="pt-BR" sz="1200" b="1" dirty="0"/>
+                <a:t>Fornecedor</a:t>
               </a:r>
               <a:endParaRPr sz="1200" b="1" dirty="0"/>
             </a:p>
@@ -9624,7 +9694,7 @@
         </p:nvSpPr>
         <p:spPr>
           <a:xfrm>
-            <a:off x="130400" y="2813125"/>
+            <a:off x="130400" y="2806529"/>
             <a:ext cx="8542500" cy="1367400"/>
           </a:xfrm>
           <a:prstGeom prst="rect">
@@ -9706,8 +9776,8 @@
         </p:nvCxnSpPr>
         <p:spPr>
           <a:xfrm rot="16200000" flipH="1">
-            <a:off x="4146104" y="2410444"/>
-            <a:ext cx="1196075" cy="1115985"/>
+            <a:off x="4146104" y="2410445"/>
+            <a:ext cx="1196075" cy="1115984"/>
           </a:xfrm>
           <a:prstGeom prst="curvedConnector2">
             <a:avLst/>
@@ -9732,8 +9802,8 @@
         </p:nvSpPr>
         <p:spPr>
           <a:xfrm>
-            <a:off x="5302134" y="2984938"/>
-            <a:ext cx="3274308" cy="1195587"/>
+            <a:off x="5302133" y="3300674"/>
+            <a:ext cx="3110347" cy="565931"/>
           </a:xfrm>
           <a:prstGeom prst="bracketPair">
             <a:avLst/>
@@ -9755,85 +9825,25 @@
           </a:bodyPr>
           <a:lstStyle/>
           <a:p>
-            <a:pPr marL="457200" lvl="0" indent="-292100" algn="l" rtl="0">
-              <a:spcBef>
-                <a:spcPts val="0"/>
-              </a:spcBef>
-              <a:spcAft>
-                <a:spcPts val="0"/>
-              </a:spcAft>
+            <a:pPr marL="457200" indent="-292100">
               <a:buSzPts val="1000"/>
               <a:buChar char="●"/>
             </a:pPr>
             <a:r>
-              <a:rPr lang="pt-BR" sz="1000" dirty="0" smtClean="0"/>
-              <a:t>Consultar disponibilidade do produto específico   </a:t>
+              <a:rPr lang="pt-BR" sz="1000"/>
+              <a:t>Receber pagamento</a:t>
             </a:r>
           </a:p>
           <a:p>
-            <a:pPr marL="457200" lvl="0" indent="-292100" algn="l" rtl="0">
-              <a:spcBef>
-                <a:spcPts val="0"/>
-              </a:spcBef>
-              <a:spcAft>
-                <a:spcPts val="0"/>
-              </a:spcAft>
+            <a:pPr marL="457200" indent="-292100">
               <a:buSzPts val="1000"/>
               <a:buChar char="●"/>
             </a:pPr>
             <a:r>
-              <a:rPr lang="pt-BR" sz="1000" dirty="0" smtClean="0"/>
-              <a:t>Encomendar produto</a:t>
+              <a:rPr lang="pt-BR" sz="1000"/>
+              <a:t>Reservar produto</a:t>
             </a:r>
-          </a:p>
-          <a:p>
-            <a:pPr marL="457200" lvl="0" indent="-292100" algn="l" rtl="0">
-              <a:spcBef>
-                <a:spcPts val="0"/>
-              </a:spcBef>
-              <a:spcAft>
-                <a:spcPts val="0"/>
-              </a:spcAft>
-              <a:buSzPts val="1000"/>
-              <a:buChar char="●"/>
-            </a:pPr>
-            <a:r>
-              <a:rPr lang="pt-BR" sz="1000" dirty="0"/>
-              <a:t>V</a:t>
-            </a:r>
-            <a:r>
-              <a:rPr lang="pt-BR" sz="1000" dirty="0" smtClean="0"/>
-              <a:t>ender produto</a:t>
-            </a:r>
-          </a:p>
-          <a:p>
-            <a:pPr marL="457200" lvl="0" indent="-292100" algn="l" rtl="0">
-              <a:spcBef>
-                <a:spcPts val="0"/>
-              </a:spcBef>
-              <a:spcAft>
-                <a:spcPts val="0"/>
-              </a:spcAft>
-              <a:buSzPts val="1000"/>
-              <a:buChar char="●"/>
-            </a:pPr>
-            <a:r>
-              <a:rPr lang="pt-BR" sz="1000" dirty="0" smtClean="0"/>
-              <a:t>Recebe pagamento</a:t>
-            </a:r>
-          </a:p>
-          <a:p>
-            <a:pPr marL="457200" lvl="0" indent="-292100" algn="l" rtl="0">
-              <a:spcBef>
-                <a:spcPts val="0"/>
-              </a:spcBef>
-              <a:spcAft>
-                <a:spcPts val="0"/>
-              </a:spcAft>
-              <a:buSzPts val="1000"/>
-              <a:buChar char="●"/>
-            </a:pPr>
-            <a:endParaRPr lang="pt-BR" sz="1000" dirty="0" smtClean="0"/>
+            <a:endParaRPr lang="pt-BR" sz="1000" dirty="0"/>
           </a:p>
         </p:txBody>
       </p:sp>
@@ -9893,7 +9903,7 @@
               <a:buNone/>
             </a:pPr>
             <a:r>
-              <a:rPr lang="pt-BR" sz="1000" dirty="0" smtClean="0"/>
+              <a:rPr lang="pt-BR" sz="1000" dirty="0"/>
               <a:t>Balcão</a:t>
             </a:r>
             <a:endParaRPr sz="1000" dirty="0"/>
@@ -9903,7 +9913,7 @@
     </p:spTree>
     <p:extLst>
       <p:ext uri="{BB962C8B-B14F-4D97-AF65-F5344CB8AC3E}">
-        <p14:creationId xmlns:p14="http://schemas.microsoft.com/office/powerpoint/2010/main" val="4277801122"/>
+        <p14:creationId xmlns:p14="http://schemas.microsoft.com/office/powerpoint/2010/main" val="3820904302"/>
       </p:ext>
     </p:extLst>
   </p:cSld>
@@ -10014,13 +10024,7 @@
           </a:bodyPr>
           <a:lstStyle/>
           <a:p>
-            <a:pPr marL="457200" lvl="0" indent="-292100" algn="l" rtl="0">
-              <a:spcBef>
-                <a:spcPts val="0"/>
-              </a:spcBef>
-              <a:spcAft>
-                <a:spcPts val="0"/>
-              </a:spcAft>
+            <a:pPr marL="457200" indent="-292100">
               <a:buClr>
                 <a:schemeClr val="dk1"/>
               </a:buClr>
@@ -10028,12 +10032,12 @@
               <a:buChar char="❖"/>
             </a:pPr>
             <a:r>
-              <a:rPr lang="pt-BR" sz="1000" dirty="0" smtClean="0">
+              <a:rPr lang="pt-BR" sz="1000" dirty="0">
                 <a:solidFill>
                   <a:schemeClr val="dk1"/>
                 </a:solidFill>
               </a:rPr>
-              <a:t>Fornecer orçamento</a:t>
+              <a:t>Realizar entrega</a:t>
             </a:r>
           </a:p>
         </p:txBody>
@@ -10254,7 +10258,7 @@
                 <a:buNone/>
               </a:pPr>
               <a:r>
-                <a:rPr lang="pt-BR" sz="1200" b="1" dirty="0" smtClean="0"/>
+                <a:rPr lang="pt-BR" sz="1200" b="1" dirty="0"/>
                 <a:t>Fornecedor</a:t>
               </a:r>
               <a:endParaRPr sz="1200" b="1" dirty="0"/>
@@ -10432,63 +10436,34 @@
           </a:bodyPr>
           <a:lstStyle/>
           <a:p>
-            <a:pPr marL="457200" lvl="0" indent="-292100" algn="l" rtl="0">
-              <a:spcBef>
-                <a:spcPts val="0"/>
-              </a:spcBef>
-              <a:spcAft>
-                <a:spcPts val="0"/>
-              </a:spcAft>
+            <a:pPr marL="457200" indent="-292100">
               <a:buSzPts val="1000"/>
               <a:buChar char="●"/>
             </a:pPr>
             <a:r>
-              <a:rPr lang="pt-BR" sz="1000" dirty="0" smtClean="0"/>
-              <a:t>Solicitar pedido</a:t>
+              <a:rPr lang="pt-BR" sz="1000" dirty="0"/>
+              <a:t>Verificar produto</a:t>
             </a:r>
           </a:p>
           <a:p>
             <a:pPr marL="457200" indent="-292100">
               <a:buSzPts val="1000"/>
-              <a:buFont typeface="Arial"/>
               <a:buChar char="●"/>
             </a:pPr>
             <a:r>
-              <a:rPr lang="pt-BR" sz="1000" dirty="0" smtClean="0">
-                <a:solidFill>
-                  <a:schemeClr val="dk1"/>
-                </a:solidFill>
-              </a:rPr>
-              <a:t>Compra produto</a:t>
+              <a:rPr lang="pt-BR" sz="1000" dirty="0"/>
+              <a:t>Verificar cliente</a:t>
             </a:r>
           </a:p>
           <a:p>
             <a:pPr marL="457200" indent="-292100">
               <a:buSzPts val="1000"/>
-              <a:buFont typeface="Arial"/>
               <a:buChar char="●"/>
             </a:pPr>
             <a:r>
-              <a:rPr lang="pt-BR" sz="1000" dirty="0" smtClean="0">
-                <a:solidFill>
-                  <a:schemeClr val="dk1"/>
-                </a:solidFill>
-              </a:rPr>
-              <a:t>Compra demonstração de novos produtos</a:t>
+              <a:rPr lang="pt-BR" sz="1000" dirty="0"/>
+              <a:t>Realizar entrega</a:t>
             </a:r>
-            <a:endParaRPr lang="pt-BR" sz="1000" dirty="0" smtClean="0"/>
-          </a:p>
-          <a:p>
-            <a:pPr marL="165100" lvl="0" algn="l" rtl="0">
-              <a:spcBef>
-                <a:spcPts val="0"/>
-              </a:spcBef>
-              <a:spcAft>
-                <a:spcPts val="0"/>
-              </a:spcAft>
-              <a:buSzPts val="1000"/>
-            </a:pPr>
-            <a:endParaRPr lang="pt-BR" sz="1000" dirty="0" smtClean="0"/>
           </a:p>
         </p:txBody>
       </p:sp>
@@ -10548,7 +10523,7 @@
               <a:buNone/>
             </a:pPr>
             <a:r>
-              <a:rPr lang="pt-BR" sz="1000" dirty="0" smtClean="0"/>
+              <a:rPr lang="pt-BR" sz="1000" dirty="0"/>
               <a:t>Balcão</a:t>
             </a:r>
             <a:endParaRPr sz="1000" dirty="0"/>
@@ -10558,7 +10533,7 @@
     </p:spTree>
     <p:extLst>
       <p:ext uri="{BB962C8B-B14F-4D97-AF65-F5344CB8AC3E}">
-        <p14:creationId xmlns:p14="http://schemas.microsoft.com/office/powerpoint/2010/main" val="3820904302"/>
+        <p14:creationId xmlns:p14="http://schemas.microsoft.com/office/powerpoint/2010/main" val="1051052355"/>
       </p:ext>
     </p:extLst>
   </p:cSld>
@@ -10641,8 +10616,8 @@
         </p:nvSpPr>
         <p:spPr>
           <a:xfrm>
-            <a:off x="3306784" y="169800"/>
-            <a:ext cx="2520534" cy="771900"/>
+            <a:off x="3659549" y="186275"/>
+            <a:ext cx="1973995" cy="771900"/>
           </a:xfrm>
           <a:prstGeom prst="wave">
             <a:avLst>
@@ -10674,37 +10649,16 @@
                 <a:schemeClr val="dk1"/>
               </a:buClr>
               <a:buSzPts val="1000"/>
-              <a:buFont typeface="Arial"/>
               <a:buChar char="❖"/>
             </a:pPr>
             <a:r>
-              <a:rPr lang="pt-BR" sz="1100" dirty="0" smtClean="0">
+              <a:rPr lang="pt-BR" sz="1000" dirty="0">
                 <a:solidFill>
                   <a:schemeClr val="dk1"/>
                 </a:solidFill>
               </a:rPr>
-              <a:t>Cancelar pedido</a:t>
+              <a:t>Realizar orçamento</a:t>
             </a:r>
-            <a:endParaRPr lang="pt-BR" sz="1100" dirty="0">
-              <a:solidFill>
-                <a:schemeClr val="dk1"/>
-              </a:solidFill>
-            </a:endParaRPr>
-          </a:p>
-          <a:p>
-            <a:pPr marL="165100" lvl="0" algn="l" rtl="0">
-              <a:spcBef>
-                <a:spcPts val="0"/>
-              </a:spcBef>
-              <a:spcAft>
-                <a:spcPts val="0"/>
-              </a:spcAft>
-              <a:buClr>
-                <a:schemeClr val="dk1"/>
-              </a:buClr>
-              <a:buSzPts val="1000"/>
-            </a:pPr>
-            <a:endParaRPr sz="1200" dirty="0"/>
           </a:p>
         </p:txBody>
       </p:sp>
@@ -10924,7 +10878,7 @@
                 <a:buNone/>
               </a:pPr>
               <a:r>
-                <a:rPr lang="pt-BR" sz="1200" b="1" dirty="0" smtClean="0"/>
+                <a:rPr lang="pt-BR" sz="1200" b="1" dirty="0"/>
                 <a:t>Fornecedor</a:t>
               </a:r>
               <a:endParaRPr sz="1200" b="1" dirty="0"/>
@@ -10971,7 +10925,7 @@
         </p:nvSpPr>
         <p:spPr>
           <a:xfrm>
-            <a:off x="130400" y="2813125"/>
+            <a:off x="130400" y="2806529"/>
             <a:ext cx="8542500" cy="1367400"/>
           </a:xfrm>
           <a:prstGeom prst="rect">
@@ -11079,8 +11033,8 @@
         </p:nvSpPr>
         <p:spPr>
           <a:xfrm>
-            <a:off x="5302133" y="3300675"/>
-            <a:ext cx="2275825" cy="531600"/>
+            <a:off x="5302133" y="3300674"/>
+            <a:ext cx="3110347" cy="565931"/>
           </a:xfrm>
           <a:prstGeom prst="bracketPair">
             <a:avLst/>
@@ -11102,12 +11056,31 @@
           </a:bodyPr>
           <a:lstStyle/>
           <a:p>
-            <a:pPr marL="457200" lvl="0" indent="-292100">
-              <a:buClr>
+            <a:pPr marL="457200" lvl="0" indent="-292100" algn="l" rtl="0">
+              <a:spcBef>
+                <a:spcPts val="0"/>
+              </a:spcBef>
+              <a:spcAft>
+                <a:spcPts val="0"/>
+              </a:spcAft>
+              <a:buSzPts val="1000"/>
+              <a:buChar char="●"/>
+            </a:pPr>
+            <a:r>
+              <a:rPr lang="pt-BR" sz="1000" dirty="0"/>
+              <a:t>Solicitar pedido</a:t>
+            </a:r>
+            <a:endParaRPr lang="pt-BR" sz="1000" dirty="0">
+              <a:solidFill>
                 <a:schemeClr val="dk1"/>
-              </a:buClr>
+              </a:solidFill>
+            </a:endParaRPr>
+          </a:p>
+          <a:p>
+            <a:pPr marL="457200" indent="-292100">
               <a:buSzPts val="1000"/>
-              <a:buChar char="❖"/>
+              <a:buFont typeface="Arial"/>
+              <a:buChar char="●"/>
             </a:pPr>
             <a:r>
               <a:rPr lang="pt-BR" sz="1000" dirty="0">
@@ -11115,8 +11088,20 @@
                   <a:schemeClr val="dk1"/>
                 </a:solidFill>
               </a:rPr>
-              <a:t>Realizar devolução ou troca de produto</a:t>
+              <a:t>Realizar orçamento</a:t>
             </a:r>
+          </a:p>
+          <a:p>
+            <a:pPr marL="165100" lvl="0" algn="l" rtl="0">
+              <a:spcBef>
+                <a:spcPts val="0"/>
+              </a:spcBef>
+              <a:spcAft>
+                <a:spcPts val="0"/>
+              </a:spcAft>
+              <a:buSzPts val="1000"/>
+            </a:pPr>
+            <a:endParaRPr lang="pt-BR" sz="1000" dirty="0"/>
           </a:p>
         </p:txBody>
       </p:sp>
@@ -11176,7 +11161,612 @@
               <a:buNone/>
             </a:pPr>
             <a:r>
-              <a:rPr lang="pt-BR" sz="1000" dirty="0" smtClean="0"/>
+              <a:rPr lang="pt-BR" sz="1000" dirty="0"/>
+              <a:t>Balcão</a:t>
+            </a:r>
+            <a:endParaRPr sz="1000" dirty="0"/>
+          </a:p>
+        </p:txBody>
+      </p:sp>
+    </p:spTree>
+    <p:extLst>
+      <p:ext uri="{BB962C8B-B14F-4D97-AF65-F5344CB8AC3E}">
+        <p14:creationId xmlns:p14="http://schemas.microsoft.com/office/powerpoint/2010/main" val="2837666660"/>
+      </p:ext>
+    </p:extLst>
+  </p:cSld>
+  <p:clrMapOvr>
+    <a:masterClrMapping/>
+  </p:clrMapOvr>
+</p:sld>
+</file>
+
+<file path=ppt/slides/slide8.xml><?xml version="1.0" encoding="utf-8"?>
+<p:sld xmlns:a="http://schemas.openxmlformats.org/drawingml/2006/main" xmlns:r="http://schemas.openxmlformats.org/officeDocument/2006/relationships" xmlns:p="http://schemas.openxmlformats.org/presentationml/2006/main">
+  <p:cSld>
+    <p:spTree>
+      <p:nvGrpSpPr>
+        <p:cNvPr id="1" name="Shape 80"/>
+        <p:cNvGrpSpPr/>
+        <p:nvPr/>
+      </p:nvGrpSpPr>
+      <p:grpSpPr>
+        <a:xfrm>
+          <a:off x="0" y="0"/>
+          <a:ext cx="0" cy="0"/>
+          <a:chOff x="0" y="0"/>
+          <a:chExt cx="0" cy="0"/>
+        </a:xfrm>
+      </p:grpSpPr>
+      <p:sp>
+        <p:nvSpPr>
+          <p:cNvPr id="81" name="Google Shape;81;p14"/>
+          <p:cNvSpPr txBox="1"/>
+          <p:nvPr/>
+        </p:nvSpPr>
+        <p:spPr>
+          <a:xfrm>
+            <a:off x="130400" y="1445725"/>
+            <a:ext cx="8542500" cy="1367400"/>
+          </a:xfrm>
+          <a:prstGeom prst="rect">
+            <a:avLst/>
+          </a:prstGeom>
+          <a:noFill/>
+          <a:ln w="9525" cap="flat" cmpd="sng">
+            <a:solidFill>
+              <a:srgbClr val="FF9900"/>
+            </a:solidFill>
+            <a:prstDash val="solid"/>
+            <a:round/>
+            <a:headEnd type="none" w="sm" len="sm"/>
+            <a:tailEnd type="none" w="sm" len="sm"/>
+          </a:ln>
+        </p:spPr>
+        <p:txBody>
+          <a:bodyPr spcFirstLastPara="1" wrap="square" lIns="91425" tIns="91425" rIns="91425" bIns="91425" anchor="t" anchorCtr="0">
+            <a:noAutofit/>
+          </a:bodyPr>
+          <a:lstStyle/>
+          <a:p>
+            <a:pPr marL="0" lvl="0" indent="0" algn="l" rtl="0">
+              <a:spcBef>
+                <a:spcPts val="0"/>
+              </a:spcBef>
+              <a:spcAft>
+                <a:spcPts val="0"/>
+              </a:spcAft>
+              <a:buNone/>
+            </a:pPr>
+            <a:r>
+              <a:rPr lang="pt-BR" dirty="0"/>
+              <a:t>Nós Operacionais</a:t>
+            </a:r>
+            <a:endParaRPr dirty="0"/>
+          </a:p>
+        </p:txBody>
+      </p:sp>
+      <p:sp>
+        <p:nvSpPr>
+          <p:cNvPr id="82" name="Google Shape;82;p14"/>
+          <p:cNvSpPr/>
+          <p:nvPr/>
+        </p:nvSpPr>
+        <p:spPr>
+          <a:xfrm>
+            <a:off x="3306784" y="169800"/>
+            <a:ext cx="2520534" cy="771900"/>
+          </a:xfrm>
+          <a:prstGeom prst="wave">
+            <a:avLst>
+              <a:gd name="adj1" fmla="val 6999"/>
+              <a:gd name="adj2" fmla="val 0"/>
+            </a:avLst>
+          </a:prstGeom>
+          <a:solidFill>
+            <a:srgbClr val="F4CCCC"/>
+          </a:solidFill>
+          <a:ln w="9525" cap="flat" cmpd="sng">
+            <a:solidFill>
+              <a:srgbClr val="FFFFFF"/>
+            </a:solidFill>
+            <a:prstDash val="solid"/>
+            <a:round/>
+            <a:headEnd type="none" w="sm" len="sm"/>
+            <a:tailEnd type="none" w="sm" len="sm"/>
+          </a:ln>
+        </p:spPr>
+        <p:txBody>
+          <a:bodyPr spcFirstLastPara="1" wrap="square" lIns="91425" tIns="91425" rIns="91425" bIns="91425" anchor="ctr" anchorCtr="0">
+            <a:noAutofit/>
+          </a:bodyPr>
+          <a:lstStyle/>
+          <a:p>
+            <a:pPr marL="457200" indent="-292100" algn="ctr">
+              <a:buClr>
+                <a:schemeClr val="dk1"/>
+              </a:buClr>
+              <a:buSzPts val="1000"/>
+              <a:buFont typeface="Arial"/>
+              <a:buChar char="❖"/>
+            </a:pPr>
+            <a:r>
+              <a:rPr lang="pt-BR" sz="1100" dirty="0">
+                <a:solidFill>
+                  <a:schemeClr val="dk1"/>
+                </a:solidFill>
+              </a:rPr>
+              <a:t>Cancelar pedido</a:t>
+            </a:r>
+          </a:p>
+        </p:txBody>
+      </p:sp>
+      <p:grpSp>
+        <p:nvGrpSpPr>
+          <p:cNvPr id="83" name="Google Shape;83;p14"/>
+          <p:cNvGrpSpPr/>
+          <p:nvPr/>
+        </p:nvGrpSpPr>
+        <p:grpSpPr>
+          <a:xfrm>
+            <a:off x="1485327" y="1888715"/>
+            <a:ext cx="1021200" cy="830484"/>
+            <a:chOff x="2852000" y="3424900"/>
+            <a:chExt cx="1021200" cy="830484"/>
+          </a:xfrm>
+        </p:grpSpPr>
+        <p:grpSp>
+          <p:nvGrpSpPr>
+            <p:cNvPr id="84" name="Google Shape;84;p14"/>
+            <p:cNvGrpSpPr/>
+            <p:nvPr/>
+          </p:nvGrpSpPr>
+          <p:grpSpPr>
+            <a:xfrm>
+              <a:off x="3206355" y="3424900"/>
+              <a:ext cx="308885" cy="587736"/>
+              <a:chOff x="1499725" y="1450825"/>
+              <a:chExt cx="497400" cy="843600"/>
+            </a:xfrm>
+          </p:grpSpPr>
+          <p:sp>
+            <p:nvSpPr>
+              <p:cNvPr id="85" name="Google Shape;85;p14"/>
+              <p:cNvSpPr/>
+              <p:nvPr/>
+            </p:nvSpPr>
+            <p:spPr>
+              <a:xfrm>
+                <a:off x="1597825" y="1450825"/>
+                <a:ext cx="313200" cy="281400"/>
+              </a:xfrm>
+              <a:prstGeom prst="flowChartConnector">
+                <a:avLst/>
+              </a:prstGeom>
+              <a:solidFill>
+                <a:srgbClr val="EEEEEE"/>
+              </a:solidFill>
+              <a:ln w="9525" cap="flat" cmpd="sng">
+                <a:solidFill>
+                  <a:srgbClr val="595959"/>
+                </a:solidFill>
+                <a:prstDash val="solid"/>
+                <a:round/>
+                <a:headEnd type="none" w="sm" len="sm"/>
+                <a:tailEnd type="none" w="sm" len="sm"/>
+              </a:ln>
+            </p:spPr>
+            <p:txBody>
+              <a:bodyPr spcFirstLastPara="1" wrap="square" lIns="91425" tIns="91425" rIns="91425" bIns="91425" anchor="ctr" anchorCtr="0">
+                <a:noAutofit/>
+              </a:bodyPr>
+              <a:lstStyle/>
+              <a:p>
+                <a:pPr marL="0" lvl="0" indent="0" algn="l" rtl="0">
+                  <a:spcBef>
+                    <a:spcPts val="0"/>
+                  </a:spcBef>
+                  <a:spcAft>
+                    <a:spcPts val="0"/>
+                  </a:spcAft>
+                  <a:buNone/>
+                </a:pPr>
+                <a:endParaRPr dirty="0"/>
+              </a:p>
+            </p:txBody>
+          </p:sp>
+          <p:cxnSp>
+            <p:nvCxnSpPr>
+              <p:cNvPr id="86" name="Google Shape;86;p14"/>
+              <p:cNvCxnSpPr>
+                <a:stCxn id="85" idx="4"/>
+              </p:cNvCxnSpPr>
+              <p:nvPr/>
+            </p:nvCxnSpPr>
+            <p:spPr>
+              <a:xfrm flipH="1">
+                <a:off x="1748725" y="1732225"/>
+                <a:ext cx="5700" cy="293100"/>
+              </a:xfrm>
+              <a:prstGeom prst="straightConnector1">
+                <a:avLst/>
+              </a:prstGeom>
+              <a:noFill/>
+              <a:ln w="9525" cap="flat" cmpd="sng">
+                <a:solidFill>
+                  <a:srgbClr val="595959"/>
+                </a:solidFill>
+                <a:prstDash val="solid"/>
+                <a:round/>
+                <a:headEnd type="none" w="med" len="med"/>
+                <a:tailEnd type="none" w="med" len="med"/>
+              </a:ln>
+            </p:spPr>
+          </p:cxnSp>
+          <p:cxnSp>
+            <p:nvCxnSpPr>
+              <p:cNvPr id="87" name="Google Shape;87;p14"/>
+              <p:cNvCxnSpPr/>
+              <p:nvPr/>
+            </p:nvCxnSpPr>
+            <p:spPr>
+              <a:xfrm>
+                <a:off x="1527475" y="1858775"/>
+                <a:ext cx="453900" cy="1800"/>
+              </a:xfrm>
+              <a:prstGeom prst="straightConnector1">
+                <a:avLst/>
+              </a:prstGeom>
+              <a:noFill/>
+              <a:ln w="9525" cap="flat" cmpd="sng">
+                <a:solidFill>
+                  <a:srgbClr val="595959"/>
+                </a:solidFill>
+                <a:prstDash val="solid"/>
+                <a:round/>
+                <a:headEnd type="none" w="med" len="med"/>
+                <a:tailEnd type="none" w="med" len="med"/>
+              </a:ln>
+            </p:spPr>
+          </p:cxnSp>
+          <p:cxnSp>
+            <p:nvCxnSpPr>
+              <p:cNvPr id="88" name="Google Shape;88;p14"/>
+              <p:cNvCxnSpPr/>
+              <p:nvPr/>
+            </p:nvCxnSpPr>
+            <p:spPr>
+              <a:xfrm flipH="1">
+                <a:off x="1499725" y="2022925"/>
+                <a:ext cx="248700" cy="271500"/>
+              </a:xfrm>
+              <a:prstGeom prst="straightConnector1">
+                <a:avLst/>
+              </a:prstGeom>
+              <a:noFill/>
+              <a:ln w="9525" cap="flat" cmpd="sng">
+                <a:solidFill>
+                  <a:srgbClr val="595959"/>
+                </a:solidFill>
+                <a:prstDash val="solid"/>
+                <a:round/>
+                <a:headEnd type="none" w="med" len="med"/>
+                <a:tailEnd type="none" w="med" len="med"/>
+              </a:ln>
+            </p:spPr>
+          </p:cxnSp>
+          <p:cxnSp>
+            <p:nvCxnSpPr>
+              <p:cNvPr id="89" name="Google Shape;89;p14"/>
+              <p:cNvCxnSpPr/>
+              <p:nvPr/>
+            </p:nvCxnSpPr>
+            <p:spPr>
+              <a:xfrm rot="10800000">
+                <a:off x="1748425" y="2022925"/>
+                <a:ext cx="248700" cy="271500"/>
+              </a:xfrm>
+              <a:prstGeom prst="straightConnector1">
+                <a:avLst/>
+              </a:prstGeom>
+              <a:noFill/>
+              <a:ln w="9525" cap="flat" cmpd="sng">
+                <a:solidFill>
+                  <a:srgbClr val="595959"/>
+                </a:solidFill>
+                <a:prstDash val="solid"/>
+                <a:round/>
+                <a:headEnd type="none" w="med" len="med"/>
+                <a:tailEnd type="none" w="med" len="med"/>
+              </a:ln>
+            </p:spPr>
+          </p:cxnSp>
+        </p:grpSp>
+        <p:sp>
+          <p:nvSpPr>
+            <p:cNvPr id="90" name="Google Shape;90;p14"/>
+            <p:cNvSpPr txBox="1"/>
+            <p:nvPr/>
+          </p:nvSpPr>
+          <p:spPr>
+            <a:xfrm>
+              <a:off x="2852000" y="3912484"/>
+              <a:ext cx="1021200" cy="342900"/>
+            </a:xfrm>
+            <a:prstGeom prst="rect">
+              <a:avLst/>
+            </a:prstGeom>
+            <a:noFill/>
+            <a:ln>
+              <a:noFill/>
+            </a:ln>
+          </p:spPr>
+          <p:txBody>
+            <a:bodyPr spcFirstLastPara="1" wrap="square" lIns="91425" tIns="91425" rIns="91425" bIns="91425" anchor="t" anchorCtr="0">
+              <a:noAutofit/>
+            </a:bodyPr>
+            <a:lstStyle/>
+            <a:p>
+              <a:pPr marL="0" lvl="0" indent="0" algn="ctr" rtl="0">
+                <a:spcBef>
+                  <a:spcPts val="0"/>
+                </a:spcBef>
+                <a:spcAft>
+                  <a:spcPts val="0"/>
+                </a:spcAft>
+                <a:buNone/>
+              </a:pPr>
+              <a:r>
+                <a:rPr lang="pt-BR" sz="1200" b="1" dirty="0"/>
+                <a:t>Fornecedor</a:t>
+              </a:r>
+              <a:endParaRPr sz="1200" b="1" dirty="0"/>
+            </a:p>
+          </p:txBody>
+        </p:sp>
+      </p:grpSp>
+      <p:cxnSp>
+        <p:nvCxnSpPr>
+          <p:cNvPr id="91" name="Google Shape;91;p14"/>
+          <p:cNvCxnSpPr>
+            <a:stCxn id="92" idx="0"/>
+            <a:endCxn id="82" idx="2"/>
+          </p:cNvCxnSpPr>
+          <p:nvPr/>
+        </p:nvCxnSpPr>
+        <p:spPr>
+          <a:xfrm rot="-5400000">
+            <a:off x="3909249" y="1180900"/>
+            <a:ext cx="934800" cy="381000"/>
+          </a:xfrm>
+          <a:prstGeom prst="curvedConnector3">
+            <a:avLst>
+              <a:gd name="adj1" fmla="val 47211"/>
+            </a:avLst>
+          </a:prstGeom>
+          <a:noFill/>
+          <a:ln w="9525" cap="flat" cmpd="sng">
+            <a:solidFill>
+              <a:schemeClr val="dk2"/>
+            </a:solidFill>
+            <a:prstDash val="solid"/>
+            <a:round/>
+            <a:headEnd type="none" w="med" len="med"/>
+            <a:tailEnd type="none" w="med" len="med"/>
+          </a:ln>
+        </p:spPr>
+      </p:cxnSp>
+      <p:sp>
+        <p:nvSpPr>
+          <p:cNvPr id="93" name="Google Shape;93;p14"/>
+          <p:cNvSpPr txBox="1"/>
+          <p:nvPr/>
+        </p:nvSpPr>
+        <p:spPr>
+          <a:xfrm>
+            <a:off x="130400" y="2813125"/>
+            <a:ext cx="8542500" cy="1367400"/>
+          </a:xfrm>
+          <a:prstGeom prst="rect">
+            <a:avLst/>
+          </a:prstGeom>
+          <a:noFill/>
+          <a:ln w="9525" cap="flat" cmpd="sng">
+            <a:solidFill>
+              <a:srgbClr val="FF9900"/>
+            </a:solidFill>
+            <a:prstDash val="solid"/>
+            <a:round/>
+            <a:headEnd type="none" w="sm" len="sm"/>
+            <a:tailEnd type="none" w="sm" len="sm"/>
+          </a:ln>
+        </p:spPr>
+        <p:txBody>
+          <a:bodyPr spcFirstLastPara="1" wrap="square" lIns="91425" tIns="91425" rIns="91425" bIns="91425" anchor="t" anchorCtr="0">
+            <a:noAutofit/>
+          </a:bodyPr>
+          <a:lstStyle/>
+          <a:p>
+            <a:pPr marL="0" lvl="0" indent="0" algn="l" rtl="0">
+              <a:spcBef>
+                <a:spcPts val="0"/>
+              </a:spcBef>
+              <a:spcAft>
+                <a:spcPts val="0"/>
+              </a:spcAft>
+              <a:buNone/>
+            </a:pPr>
+            <a:r>
+              <a:rPr lang="pt-BR" dirty="0"/>
+              <a:t>Capacidades Operacionais</a:t>
+            </a:r>
+            <a:endParaRPr dirty="0"/>
+          </a:p>
+        </p:txBody>
+      </p:sp>
+      <p:cxnSp>
+        <p:nvCxnSpPr>
+          <p:cNvPr id="94" name="Google Shape;94;p14"/>
+          <p:cNvCxnSpPr>
+            <a:stCxn id="85" idx="0"/>
+            <a:endCxn id="82" idx="2"/>
+          </p:cNvCxnSpPr>
+          <p:nvPr/>
+        </p:nvCxnSpPr>
+        <p:spPr>
+          <a:xfrm rot="-5400000">
+            <a:off x="2790151" y="111815"/>
+            <a:ext cx="984600" cy="2569200"/>
+          </a:xfrm>
+          <a:prstGeom prst="curvedConnector3">
+            <a:avLst>
+              <a:gd name="adj1" fmla="val 47358"/>
+            </a:avLst>
+          </a:prstGeom>
+          <a:noFill/>
+          <a:ln w="9525" cap="flat" cmpd="sng">
+            <a:solidFill>
+              <a:schemeClr val="dk2"/>
+            </a:solidFill>
+            <a:prstDash val="solid"/>
+            <a:round/>
+            <a:headEnd type="none" w="med" len="med"/>
+            <a:tailEnd type="none" w="med" len="med"/>
+          </a:ln>
+        </p:spPr>
+      </p:cxnSp>
+      <p:cxnSp>
+        <p:nvCxnSpPr>
+          <p:cNvPr id="95" name="Google Shape;95;p14"/>
+          <p:cNvCxnSpPr>
+            <a:stCxn id="92" idx="2"/>
+            <a:endCxn id="96" idx="1"/>
+          </p:cNvCxnSpPr>
+          <p:nvPr/>
+        </p:nvCxnSpPr>
+        <p:spPr>
+          <a:xfrm rot="16200000" flipH="1">
+            <a:off x="4146104" y="2410445"/>
+            <a:ext cx="1196075" cy="1115984"/>
+          </a:xfrm>
+          <a:prstGeom prst="curvedConnector2">
+            <a:avLst/>
+          </a:prstGeom>
+          <a:noFill/>
+          <a:ln w="9525" cap="flat" cmpd="sng">
+            <a:solidFill>
+              <a:schemeClr val="dk2"/>
+            </a:solidFill>
+            <a:prstDash val="solid"/>
+            <a:round/>
+            <a:headEnd type="none" w="med" len="med"/>
+            <a:tailEnd type="none" w="med" len="med"/>
+          </a:ln>
+        </p:spPr>
+      </p:cxnSp>
+      <p:sp>
+        <p:nvSpPr>
+          <p:cNvPr id="96" name="Google Shape;96;p14"/>
+          <p:cNvSpPr/>
+          <p:nvPr/>
+        </p:nvSpPr>
+        <p:spPr>
+          <a:xfrm>
+            <a:off x="5302133" y="3300675"/>
+            <a:ext cx="2275825" cy="531600"/>
+          </a:xfrm>
+          <a:prstGeom prst="bracketPair">
+            <a:avLst/>
+          </a:prstGeom>
+          <a:noFill/>
+          <a:ln w="9525" cap="flat" cmpd="sng">
+            <a:solidFill>
+              <a:schemeClr val="dk2"/>
+            </a:solidFill>
+            <a:prstDash val="solid"/>
+            <a:round/>
+            <a:headEnd type="none" w="sm" len="sm"/>
+            <a:tailEnd type="none" w="sm" len="sm"/>
+          </a:ln>
+        </p:spPr>
+        <p:txBody>
+          <a:bodyPr spcFirstLastPara="1" wrap="square" lIns="91425" tIns="91425" rIns="91425" bIns="91425" anchor="ctr" anchorCtr="0">
+            <a:noAutofit/>
+          </a:bodyPr>
+          <a:lstStyle/>
+          <a:p>
+            <a:pPr marL="457200" indent="-292100">
+              <a:buClr>
+                <a:schemeClr val="dk1"/>
+              </a:buClr>
+              <a:buSzPts val="1000"/>
+              <a:buChar char="•"/>
+            </a:pPr>
+            <a:r>
+              <a:rPr lang="pt-BR" sz="1000"/>
+              <a:t>Cancelar pedido</a:t>
+            </a:r>
+            <a:endParaRPr lang="pt-BR"/>
+          </a:p>
+        </p:txBody>
+      </p:sp>
+      <p:sp>
+        <p:nvSpPr>
+          <p:cNvPr id="92" name="Google Shape;92;p14"/>
+          <p:cNvSpPr/>
+          <p:nvPr/>
+        </p:nvSpPr>
+        <p:spPr>
+          <a:xfrm>
+            <a:off x="3564399" y="1838800"/>
+            <a:ext cx="1243500" cy="531600"/>
+          </a:xfrm>
+          <a:prstGeom prst="roundRect">
+            <a:avLst>
+              <a:gd name="adj" fmla="val 16667"/>
+            </a:avLst>
+          </a:prstGeom>
+          <a:gradFill>
+            <a:gsLst>
+              <a:gs pos="0">
+                <a:srgbClr val="D4E5F5"/>
+              </a:gs>
+              <a:gs pos="100000">
+                <a:srgbClr val="70A4D5"/>
+              </a:gs>
+            </a:gsLst>
+            <a:path path="circle">
+              <a:fillToRect l="50000" t="50000" r="50000" b="50000"/>
+            </a:path>
+            <a:tileRect/>
+          </a:gradFill>
+          <a:ln w="9525" cap="flat" cmpd="sng">
+            <a:solidFill>
+              <a:srgbClr val="F3F3F3"/>
+            </a:solidFill>
+            <a:prstDash val="solid"/>
+            <a:round/>
+            <a:headEnd type="none" w="sm" len="sm"/>
+            <a:tailEnd type="none" w="sm" len="sm"/>
+          </a:ln>
+        </p:spPr>
+        <p:txBody>
+          <a:bodyPr spcFirstLastPara="1" wrap="square" lIns="91425" tIns="91425" rIns="91425" bIns="91425" anchor="ctr" anchorCtr="0">
+            <a:noAutofit/>
+          </a:bodyPr>
+          <a:lstStyle/>
+          <a:p>
+            <a:pPr marL="0" lvl="0" indent="0" algn="ctr" rtl="0">
+              <a:spcBef>
+                <a:spcPts val="0"/>
+              </a:spcBef>
+              <a:spcAft>
+                <a:spcPts val="0"/>
+              </a:spcAft>
+              <a:buNone/>
+            </a:pPr>
+            <a:r>
+              <a:rPr lang="pt-BR" sz="1000" dirty="0"/>
               <a:t>Balcão</a:t>
             </a:r>
             <a:endParaRPr sz="1000" dirty="0"/>
